--- a/aspnet5/slides/03_Config_Services.pptx
+++ b/aspnet5/slides/03_Config_Services.pptx
@@ -5,27 +5,25 @@
     <p:sldMasterId id="2147483772" r:id="rId1"/>
   </p:sldMasterIdLst>
   <p:notesMasterIdLst>
-    <p:notesMasterId r:id="rId17"/>
+    <p:notesMasterId r:id="rId15"/>
   </p:notesMasterIdLst>
   <p:handoutMasterIdLst>
-    <p:handoutMasterId r:id="rId18"/>
+    <p:handoutMasterId r:id="rId16"/>
   </p:handoutMasterIdLst>
   <p:sldIdLst>
     <p:sldId id="327" r:id="rId2"/>
     <p:sldId id="328" r:id="rId3"/>
-    <p:sldId id="329" r:id="rId4"/>
-    <p:sldId id="330" r:id="rId5"/>
-    <p:sldId id="331" r:id="rId6"/>
-    <p:sldId id="332" r:id="rId7"/>
-    <p:sldId id="333" r:id="rId8"/>
-    <p:sldId id="334" r:id="rId9"/>
-    <p:sldId id="335" r:id="rId10"/>
-    <p:sldId id="340" r:id="rId11"/>
-    <p:sldId id="336" r:id="rId12"/>
-    <p:sldId id="337" r:id="rId13"/>
-    <p:sldId id="338" r:id="rId14"/>
-    <p:sldId id="339" r:id="rId15"/>
-    <p:sldId id="341" r:id="rId16"/>
+    <p:sldId id="330" r:id="rId4"/>
+    <p:sldId id="332" r:id="rId5"/>
+    <p:sldId id="333" r:id="rId6"/>
+    <p:sldId id="334" r:id="rId7"/>
+    <p:sldId id="335" r:id="rId8"/>
+    <p:sldId id="340" r:id="rId9"/>
+    <p:sldId id="336" r:id="rId10"/>
+    <p:sldId id="337" r:id="rId11"/>
+    <p:sldId id="338" r:id="rId12"/>
+    <p:sldId id="339" r:id="rId13"/>
+    <p:sldId id="341" r:id="rId14"/>
   </p:sldIdLst>
   <p:sldSz cx="9144000" cy="6858000" type="screen4x3"/>
   <p:notesSz cx="7302500" cy="9588500"/>
@@ -161,9 +159,7 @@
           <p14:sldIdLst>
             <p14:sldId id="327"/>
             <p14:sldId id="328"/>
-            <p14:sldId id="329"/>
             <p14:sldId id="330"/>
-            <p14:sldId id="331"/>
             <p14:sldId id="332"/>
             <p14:sldId id="333"/>
             <p14:sldId id="334"/>
@@ -301,7 +297,7 @@
               <a:pPr>
                 <a:defRPr/>
               </a:pPr>
-              <a:t>9/7/2015</a:t>
+              <a:t>2/20/2017</a:t>
             </a:fld>
             <a:endParaRPr lang="en-US"/>
           </a:p>
@@ -575,35 +571,35 @@
           <a:p>
             <a:pPr lvl="0"/>
             <a:r>
-              <a:rPr lang="en-US" noProof="0" smtClean="0"/>
+              <a:rPr lang="en-US" noProof="0"/>
               <a:t>Click to edit Master text styles</a:t>
             </a:r>
           </a:p>
           <a:p>
             <a:pPr lvl="1"/>
             <a:r>
-              <a:rPr lang="en-US" noProof="0" smtClean="0"/>
+              <a:rPr lang="en-US" noProof="0"/>
               <a:t>Second level</a:t>
             </a:r>
           </a:p>
           <a:p>
             <a:pPr lvl="2"/>
             <a:r>
-              <a:rPr lang="en-US" noProof="0" smtClean="0"/>
+              <a:rPr lang="en-US" noProof="0"/>
               <a:t>Third level</a:t>
             </a:r>
           </a:p>
           <a:p>
             <a:pPr lvl="3"/>
             <a:r>
-              <a:rPr lang="en-US" noProof="0" smtClean="0"/>
+              <a:rPr lang="en-US" noProof="0"/>
               <a:t>Fourth level</a:t>
             </a:r>
           </a:p>
           <a:p>
             <a:pPr lvl="4"/>
             <a:r>
-              <a:rPr lang="en-US" noProof="0" smtClean="0"/>
+              <a:rPr lang="en-US" noProof="0"/>
               <a:t>Fifth level</a:t>
             </a:r>
           </a:p>
@@ -884,7 +880,7 @@
               <a:pPr/>
               <a:t>1</a:t>
             </a:fld>
-            <a:endParaRPr lang="en-US" smtClean="0"/>
+            <a:endParaRPr lang="en-US"/>
           </a:p>
         </p:txBody>
       </p:sp>
@@ -925,7 +921,7 @@
           <a:lstStyle/>
           <a:p>
             <a:pPr eaLnBrk="1" hangingPunct="1"/>
-            <a:endParaRPr lang="en-US" smtClean="0"/>
+            <a:endParaRPr lang="en-US"/>
           </a:p>
         </p:txBody>
       </p:sp>
@@ -988,7 +984,7 @@
           </a:lstStyle>
           <a:p>
             <a:r>
-              <a:rPr lang="en-US" smtClean="0"/>
+              <a:rPr lang="en-US"/>
               <a:t>Click to edit Master title style</a:t>
             </a:r>
             <a:endParaRPr lang="en-US" dirty="0"/>
@@ -1024,7 +1020,7 @@
           </a:lstStyle>
           <a:p>
             <a:r>
-              <a:rPr lang="en-US" smtClean="0"/>
+              <a:rPr lang="en-US"/>
               <a:t>Click to edit Master subtitle style</a:t>
             </a:r>
             <a:endParaRPr lang="en-US" dirty="0"/>
@@ -1121,10 +1117,9 @@
           <a:lstStyle/>
           <a:p>
             <a:r>
-              <a:rPr lang="en-US" smtClean="0"/>
+              <a:rPr lang="en-US"/>
               <a:t>Click to edit Master title style</a:t>
             </a:r>
-            <a:endParaRPr lang="en-US"/>
           </a:p>
         </p:txBody>
       </p:sp>
@@ -1165,7 +1160,7 @@
           <a:p>
             <a:pPr lvl="0"/>
             <a:r>
-              <a:rPr lang="en-US" smtClean="0"/>
+              <a:rPr lang="en-US"/>
               <a:t>Click to edit Master text styles</a:t>
             </a:r>
           </a:p>
@@ -1215,10 +1210,9 @@
           <a:lstStyle/>
           <a:p>
             <a:r>
-              <a:rPr lang="en-US" smtClean="0"/>
+              <a:rPr lang="en-US"/>
               <a:t>Click to edit Master title style</a:t>
             </a:r>
-            <a:endParaRPr lang="en-US"/>
           </a:p>
         </p:txBody>
       </p:sp>
@@ -1274,7 +1268,7 @@
           </a:lstStyle>
           <a:p>
             <a:r>
-              <a:rPr lang="en-US" smtClean="0"/>
+              <a:rPr lang="en-US"/>
               <a:t>Click to edit Master title style</a:t>
             </a:r>
             <a:endParaRPr lang="en-US" dirty="0"/>
@@ -1339,35 +1333,35 @@
           <a:p>
             <a:pPr lvl="0"/>
             <a:r>
-              <a:rPr lang="en-US" smtClean="0"/>
+              <a:rPr lang="en-US"/>
               <a:t>Click to edit Master text styles</a:t>
             </a:r>
           </a:p>
           <a:p>
             <a:pPr lvl="1"/>
             <a:r>
-              <a:rPr lang="en-US" smtClean="0"/>
+              <a:rPr lang="en-US"/>
               <a:t>Second level</a:t>
             </a:r>
           </a:p>
           <a:p>
             <a:pPr lvl="2"/>
             <a:r>
-              <a:rPr lang="en-US" smtClean="0"/>
+              <a:rPr lang="en-US"/>
               <a:t>Third level</a:t>
             </a:r>
           </a:p>
           <a:p>
             <a:pPr lvl="3"/>
             <a:r>
-              <a:rPr lang="en-US" smtClean="0"/>
+              <a:rPr lang="en-US"/>
               <a:t>Fourth level</a:t>
             </a:r>
           </a:p>
           <a:p>
             <a:pPr lvl="4"/>
             <a:r>
-              <a:rPr lang="en-US" smtClean="0"/>
+              <a:rPr lang="en-US"/>
               <a:t>Fifth level</a:t>
             </a:r>
             <a:endParaRPr lang="en-US" dirty="0"/>
@@ -1431,10 +1425,9 @@
           </a:lstStyle>
           <a:p>
             <a:r>
-              <a:rPr lang="en-US" dirty="0" smtClean="0"/>
+              <a:rPr lang="en-US" dirty="0"/>
               <a:t>References</a:t>
             </a:r>
-            <a:endParaRPr lang="en-US" dirty="0"/>
           </a:p>
         </p:txBody>
       </p:sp>
@@ -1496,35 +1489,35 @@
           <a:p>
             <a:pPr lvl="0"/>
             <a:r>
-              <a:rPr lang="en-US" smtClean="0"/>
+              <a:rPr lang="en-US"/>
               <a:t>Click to edit Master text styles</a:t>
             </a:r>
           </a:p>
           <a:p>
             <a:pPr lvl="1"/>
             <a:r>
-              <a:rPr lang="en-US" smtClean="0"/>
+              <a:rPr lang="en-US"/>
               <a:t>Second level</a:t>
             </a:r>
           </a:p>
           <a:p>
             <a:pPr lvl="2"/>
             <a:r>
-              <a:rPr lang="en-US" smtClean="0"/>
+              <a:rPr lang="en-US"/>
               <a:t>Third level</a:t>
             </a:r>
           </a:p>
           <a:p>
             <a:pPr lvl="3"/>
             <a:r>
-              <a:rPr lang="en-US" smtClean="0"/>
+              <a:rPr lang="en-US"/>
               <a:t>Fourth level</a:t>
             </a:r>
           </a:p>
           <a:p>
             <a:pPr lvl="4"/>
             <a:r>
-              <a:rPr lang="en-US" smtClean="0"/>
+              <a:rPr lang="en-US"/>
               <a:t>Fifth level</a:t>
             </a:r>
             <a:endParaRPr lang="en-US" dirty="0"/>
@@ -1580,10 +1573,9 @@
           <a:lstStyle/>
           <a:p>
             <a:r>
-              <a:rPr lang="en-US" smtClean="0"/>
+              <a:rPr lang="en-US"/>
               <a:t>Click to edit Master title style</a:t>
             </a:r>
-            <a:endParaRPr lang="en-US"/>
           </a:p>
         </p:txBody>
       </p:sp>
@@ -1624,7 +1616,7 @@
           <a:p>
             <a:pPr lvl="0"/>
             <a:r>
-              <a:rPr lang="en-US" smtClean="0"/>
+              <a:rPr lang="en-US"/>
               <a:t>Click to edit Master text styles</a:t>
             </a:r>
           </a:p>
@@ -1679,10 +1671,9 @@
           <a:lstStyle/>
           <a:p>
             <a:r>
-              <a:rPr lang="en-US" smtClean="0"/>
+              <a:rPr lang="en-US"/>
               <a:t>Click to edit Master title style</a:t>
             </a:r>
-            <a:endParaRPr lang="en-US"/>
           </a:p>
         </p:txBody>
       </p:sp>
@@ -1735,10 +1726,9 @@
           <a:lstStyle/>
           <a:p>
             <a:r>
-              <a:rPr lang="en-US" smtClean="0"/>
+              <a:rPr lang="en-US"/>
               <a:t>Click to edit Master title style</a:t>
             </a:r>
-            <a:endParaRPr lang="en-US"/>
           </a:p>
         </p:txBody>
       </p:sp>
@@ -1779,7 +1769,7 @@
           <a:p>
             <a:pPr lvl="0"/>
             <a:r>
-              <a:rPr lang="en-US" smtClean="0"/>
+              <a:rPr lang="en-US"/>
               <a:t>Click to edit Master text styles</a:t>
             </a:r>
           </a:p>
@@ -1834,10 +1824,9 @@
           <a:lstStyle/>
           <a:p>
             <a:r>
-              <a:rPr lang="en-US" smtClean="0"/>
+              <a:rPr lang="en-US"/>
               <a:t>Click to edit Master title style</a:t>
             </a:r>
-            <a:endParaRPr lang="en-US"/>
           </a:p>
         </p:txBody>
       </p:sp>
@@ -1890,10 +1879,9 @@
           <a:lstStyle/>
           <a:p>
             <a:r>
-              <a:rPr lang="en-US" smtClean="0"/>
+              <a:rPr lang="en-US"/>
               <a:t>Click to edit Master title style</a:t>
             </a:r>
-            <a:endParaRPr lang="en-US"/>
           </a:p>
         </p:txBody>
       </p:sp>
@@ -1934,7 +1922,7 @@
           <a:p>
             <a:pPr lvl="0"/>
             <a:r>
-              <a:rPr lang="en-US" smtClean="0"/>
+              <a:rPr lang="en-US"/>
               <a:t>Click to edit Master text styles</a:t>
             </a:r>
           </a:p>
@@ -1989,10 +1977,9 @@
           <a:lstStyle/>
           <a:p>
             <a:r>
-              <a:rPr lang="en-US" smtClean="0"/>
+              <a:rPr lang="en-US"/>
               <a:t>Click to edit Master title style</a:t>
             </a:r>
-            <a:endParaRPr lang="en-US"/>
           </a:p>
         </p:txBody>
       </p:sp>
@@ -2073,35 +2060,35 @@
           <a:p>
             <a:pPr lvl="0"/>
             <a:r>
-              <a:rPr lang="en-US" smtClean="0"/>
+              <a:rPr lang="en-US"/>
               <a:t>Click to edit Master text styles</a:t>
             </a:r>
           </a:p>
           <a:p>
             <a:pPr lvl="1"/>
             <a:r>
-              <a:rPr lang="en-US" smtClean="0"/>
+              <a:rPr lang="en-US"/>
               <a:t>Second level</a:t>
             </a:r>
           </a:p>
           <a:p>
             <a:pPr lvl="2"/>
             <a:r>
-              <a:rPr lang="en-US" smtClean="0"/>
+              <a:rPr lang="en-US"/>
               <a:t>Third level</a:t>
             </a:r>
           </a:p>
           <a:p>
             <a:pPr lvl="3"/>
             <a:r>
-              <a:rPr lang="en-US" smtClean="0"/>
+              <a:rPr lang="en-US"/>
               <a:t>Fourth level</a:t>
             </a:r>
           </a:p>
           <a:p>
             <a:pPr lvl="4"/>
             <a:r>
-              <a:rPr lang="en-US" smtClean="0"/>
+              <a:rPr lang="en-US"/>
               <a:t>Fifth level</a:t>
             </a:r>
           </a:p>
@@ -2143,7 +2130,7 @@
           <a:p>
             <a:pPr lvl="0"/>
             <a:r>
-              <a:rPr lang="en-US" smtClean="0"/>
+              <a:rPr lang="en-US"/>
               <a:t>Click to edit Master title style</a:t>
             </a:r>
           </a:p>
@@ -2259,13 +2246,6 @@
   <p:transition>
     <p:fade/>
   </p:transition>
-  <p:timing>
-    <p:tnLst>
-      <p:par>
-        <p:cTn id="1" dur="indefinite" restart="never" nodeType="tmRoot"/>
-      </p:par>
-    </p:tnLst>
-  </p:timing>
   <p:txStyles>
     <p:titleStyle>
       <a:lvl1pPr marL="342900" indent="-342900" algn="ctr" defTabSz="-13873163" rtl="0" eaLnBrk="1" fontAlgn="base" hangingPunct="1">
@@ -2777,10 +2757,9 @@
           <a:p>
             <a:pPr marL="0" indent="0" defTabSz="914400" eaLnBrk="1" hangingPunct="1"/>
             <a:r>
-              <a:rPr lang="en-US" dirty="0" smtClean="0"/>
+              <a:rPr lang="en-US" dirty="0"/>
               <a:t>Configuration and Services</a:t>
             </a:r>
-            <a:endParaRPr lang="en-US" dirty="0" smtClean="0"/>
           </a:p>
         </p:txBody>
       </p:sp>
@@ -2801,10 +2780,9 @@
           <a:p>
             <a:pPr defTabSz="914400" eaLnBrk="1" hangingPunct="1"/>
             <a:r>
-              <a:rPr lang="en-US" dirty="0" smtClean="0"/>
+              <a:rPr lang="en-US" dirty="0"/>
               <a:t>JSON and Injection</a:t>
             </a:r>
-            <a:endParaRPr lang="en-US" dirty="0" smtClean="0"/>
           </a:p>
         </p:txBody>
       </p:sp>
@@ -2816,13 +2794,6 @@
   <p:transition>
     <p:fade/>
   </p:transition>
-  <p:timing>
-    <p:tnLst>
-      <p:par>
-        <p:cTn id="1" dur="indefinite" restart="never" nodeType="tmRoot"/>
-      </p:par>
-    </p:tnLst>
-  </p:timing>
 </p:sld>
 </file>
 
@@ -2859,10 +2830,9 @@
           <a:lstStyle/>
           <a:p>
             <a:r>
-              <a:rPr lang="en-US" dirty="0" smtClean="0"/>
-              <a:t>User Secrets</a:t>
-            </a:r>
-            <a:endParaRPr lang="en-US" dirty="0"/>
+              <a:rPr lang="en-US" dirty="0"/>
+              <a:t>Custom Configuration Providers</a:t>
+            </a:r>
           </a:p>
         </p:txBody>
       </p:sp>
@@ -2882,22 +2852,1181 @@
           <a:lstStyle/>
           <a:p>
             <a:r>
-              <a:rPr lang="en-US" dirty="0" smtClean="0"/>
+              <a:rPr lang="en-US" dirty="0"/>
+              <a:t>Implement </a:t>
+            </a:r>
+            <a:r>
+              <a:rPr lang="en-US" dirty="0" err="1"/>
+              <a:t>IConfigurationSource</a:t>
+            </a:r>
+            <a:endParaRPr lang="en-US" dirty="0"/>
+          </a:p>
+          <a:p>
+            <a:pPr lvl="1"/>
+            <a:r>
+              <a:rPr lang="en-US" dirty="0"/>
+              <a:t>Load, Set, </a:t>
+            </a:r>
+            <a:r>
+              <a:rPr lang="en-US" dirty="0" err="1"/>
+              <a:t>TryGet</a:t>
+            </a:r>
+            <a:endParaRPr lang="en-US" dirty="0"/>
+          </a:p>
+          <a:p>
+            <a:r>
+              <a:rPr lang="en-US" dirty="0"/>
+              <a:t>Or, inherit from </a:t>
+            </a:r>
+            <a:r>
+              <a:rPr lang="en-US" dirty="0" err="1"/>
+              <a:t>ConfigurationSource</a:t>
+            </a:r>
+            <a:endParaRPr lang="en-US" dirty="0"/>
+          </a:p>
+        </p:txBody>
+      </p:sp>
+      <p:pic>
+        <p:nvPicPr>
+          <p:cNvPr id="4" name="Picture 3"/>
+          <p:cNvPicPr>
+            <a:picLocks noChangeAspect="1"/>
+          </p:cNvPicPr>
+          <p:nvPr/>
+        </p:nvPicPr>
+        <p:blipFill>
+          <a:blip r:embed="rId2"/>
+          <a:stretch>
+            <a:fillRect/>
+          </a:stretch>
+        </p:blipFill>
+        <p:spPr>
+          <a:xfrm>
+            <a:off x="1600200" y="2743200"/>
+            <a:ext cx="6067425" cy="3438525"/>
+          </a:xfrm>
+          <a:prstGeom prst="rect">
+            <a:avLst/>
+          </a:prstGeom>
+        </p:spPr>
+      </p:pic>
+    </p:spTree>
+    <p:extLst>
+      <p:ext uri="{BB962C8B-B14F-4D97-AF65-F5344CB8AC3E}">
+        <p14:creationId xmlns:p14="http://schemas.microsoft.com/office/powerpoint/2010/main" val="2830703332"/>
+      </p:ext>
+    </p:extLst>
+  </p:cSld>
+  <p:clrMapOvr>
+    <a:masterClrMapping/>
+  </p:clrMapOvr>
+  <p:transition>
+    <p:fade/>
+  </p:transition>
+</p:sld>
+</file>
+
+<file path=ppt/slides/slide11.xml><?xml version="1.0" encoding="utf-8"?>
+<p:sld xmlns:a="http://schemas.openxmlformats.org/drawingml/2006/main" xmlns:r="http://schemas.openxmlformats.org/officeDocument/2006/relationships" xmlns:p="http://schemas.openxmlformats.org/presentationml/2006/main">
+  <p:cSld>
+    <p:spTree>
+      <p:nvGrpSpPr>
+        <p:cNvPr id="1" name=""/>
+        <p:cNvGrpSpPr/>
+        <p:nvPr/>
+      </p:nvGrpSpPr>
+      <p:grpSpPr>
+        <a:xfrm>
+          <a:off x="0" y="0"/>
+          <a:ext cx="0" cy="0"/>
+          <a:chOff x="0" y="0"/>
+          <a:chExt cx="0" cy="0"/>
+        </a:xfrm>
+      </p:grpSpPr>
+      <p:sp>
+        <p:nvSpPr>
+          <p:cNvPr id="2" name="Title 1"/>
+          <p:cNvSpPr>
+            <a:spLocks noGrp="1"/>
+          </p:cNvSpPr>
+          <p:nvPr>
+            <p:ph type="title"/>
+          </p:nvPr>
+        </p:nvSpPr>
+        <p:spPr/>
+        <p:txBody>
+          <a:bodyPr/>
+          <a:lstStyle/>
+          <a:p>
+            <a:r>
+              <a:rPr lang="en-US" dirty="0"/>
+              <a:t>Dependency Injection</a:t>
+            </a:r>
+          </a:p>
+        </p:txBody>
+      </p:sp>
+      <p:sp>
+        <p:nvSpPr>
+          <p:cNvPr id="3" name="Text Placeholder 2"/>
+          <p:cNvSpPr>
+            <a:spLocks noGrp="1"/>
+          </p:cNvSpPr>
+          <p:nvPr>
+            <p:ph type="body" idx="1"/>
+          </p:nvPr>
+        </p:nvSpPr>
+        <p:spPr/>
+        <p:txBody>
+          <a:bodyPr/>
+          <a:lstStyle/>
+          <a:p>
+            <a:r>
+              <a:rPr lang="en-US" dirty="0"/>
+              <a:t>Single, simple container out of the box (BYOC)</a:t>
+            </a:r>
+          </a:p>
+          <a:p>
+            <a:r>
+              <a:rPr lang="en-US" dirty="0"/>
+              <a:t>DI all the way down</a:t>
+            </a:r>
+          </a:p>
+        </p:txBody>
+      </p:sp>
+      <p:pic>
+        <p:nvPicPr>
+          <p:cNvPr id="4" name="Picture 3"/>
+          <p:cNvPicPr>
+            <a:picLocks noChangeAspect="1"/>
+          </p:cNvPicPr>
+          <p:nvPr/>
+        </p:nvPicPr>
+        <p:blipFill>
+          <a:blip r:embed="rId2"/>
+          <a:stretch>
+            <a:fillRect/>
+          </a:stretch>
+        </p:blipFill>
+        <p:spPr>
+          <a:xfrm>
+            <a:off x="457200" y="2819400"/>
+            <a:ext cx="8134350" cy="2449727"/>
+          </a:xfrm>
+          <a:prstGeom prst="rect">
+            <a:avLst/>
+          </a:prstGeom>
+        </p:spPr>
+      </p:pic>
+    </p:spTree>
+    <p:extLst>
+      <p:ext uri="{BB962C8B-B14F-4D97-AF65-F5344CB8AC3E}">
+        <p14:creationId xmlns:p14="http://schemas.microsoft.com/office/powerpoint/2010/main" val="4010436197"/>
+      </p:ext>
+    </p:extLst>
+  </p:cSld>
+  <p:clrMapOvr>
+    <a:masterClrMapping/>
+  </p:clrMapOvr>
+  <p:transition>
+    <p:fade/>
+  </p:transition>
+</p:sld>
+</file>
+
+<file path=ppt/slides/slide12.xml><?xml version="1.0" encoding="utf-8"?>
+<p:sld xmlns:a="http://schemas.openxmlformats.org/drawingml/2006/main" xmlns:r="http://schemas.openxmlformats.org/officeDocument/2006/relationships" xmlns:p="http://schemas.openxmlformats.org/presentationml/2006/main">
+  <p:cSld>
+    <p:spTree>
+      <p:nvGrpSpPr>
+        <p:cNvPr id="1" name=""/>
+        <p:cNvGrpSpPr/>
+        <p:nvPr/>
+      </p:nvGrpSpPr>
+      <p:grpSpPr>
+        <a:xfrm>
+          <a:off x="0" y="0"/>
+          <a:ext cx="0" cy="0"/>
+          <a:chOff x="0" y="0"/>
+          <a:chExt cx="0" cy="0"/>
+        </a:xfrm>
+      </p:grpSpPr>
+      <p:sp>
+        <p:nvSpPr>
+          <p:cNvPr id="2" name="Title 1"/>
+          <p:cNvSpPr>
+            <a:spLocks noGrp="1"/>
+          </p:cNvSpPr>
+          <p:nvPr>
+            <p:ph type="title"/>
+          </p:nvPr>
+        </p:nvSpPr>
+        <p:spPr/>
+        <p:txBody>
+          <a:bodyPr/>
+          <a:lstStyle/>
+          <a:p>
+            <a:r>
+              <a:rPr lang="en-US" dirty="0" err="1"/>
+              <a:t>IServiceProvider</a:t>
+            </a:r>
+            <a:endParaRPr lang="en-US" dirty="0"/>
+          </a:p>
+        </p:txBody>
+      </p:sp>
+      <p:sp>
+        <p:nvSpPr>
+          <p:cNvPr id="3" name="Text Placeholder 2"/>
+          <p:cNvSpPr>
+            <a:spLocks noGrp="1"/>
+          </p:cNvSpPr>
+          <p:nvPr>
+            <p:ph type="body" idx="1"/>
+          </p:nvPr>
+        </p:nvSpPr>
+        <p:spPr/>
+        <p:txBody>
+          <a:bodyPr/>
+          <a:lstStyle/>
+          <a:p>
+            <a:r>
+              <a:rPr lang="en-US" dirty="0"/>
+              <a:t>Abstraction for </a:t>
+            </a:r>
+            <a:r>
+              <a:rPr lang="en-US" dirty="0" err="1"/>
+              <a:t>systemwide</a:t>
+            </a:r>
+            <a:r>
+              <a:rPr lang="en-US" dirty="0"/>
+              <a:t> container</a:t>
+            </a:r>
+          </a:p>
+          <a:p>
+            <a:r>
+              <a:rPr lang="en-US" dirty="0"/>
+              <a:t>Implementation supports lifestyles:</a:t>
+            </a:r>
+          </a:p>
+          <a:p>
+            <a:pPr lvl="1"/>
+            <a:r>
+              <a:rPr lang="en-US" dirty="0"/>
+              <a:t>Instance</a:t>
+            </a:r>
+          </a:p>
+          <a:p>
+            <a:pPr lvl="1"/>
+            <a:r>
+              <a:rPr lang="en-US" dirty="0"/>
+              <a:t>Transient</a:t>
+            </a:r>
+          </a:p>
+          <a:p>
+            <a:pPr lvl="1"/>
+            <a:r>
+              <a:rPr lang="en-US" dirty="0"/>
+              <a:t>Singleton</a:t>
+            </a:r>
+          </a:p>
+          <a:p>
+            <a:pPr lvl="1"/>
+            <a:r>
+              <a:rPr lang="en-US" dirty="0"/>
+              <a:t>Scoped</a:t>
+            </a:r>
+          </a:p>
+        </p:txBody>
+      </p:sp>
+      <p:pic>
+        <p:nvPicPr>
+          <p:cNvPr id="4" name="Picture 3"/>
+          <p:cNvPicPr>
+            <a:picLocks noChangeAspect="1"/>
+          </p:cNvPicPr>
+          <p:nvPr/>
+        </p:nvPicPr>
+        <p:blipFill>
+          <a:blip r:embed="rId2"/>
+          <a:stretch>
+            <a:fillRect/>
+          </a:stretch>
+        </p:blipFill>
+        <p:spPr>
+          <a:xfrm>
+            <a:off x="443060" y="4191000"/>
+            <a:ext cx="8439150" cy="466725"/>
+          </a:xfrm>
+          <a:prstGeom prst="rect">
+            <a:avLst/>
+          </a:prstGeom>
+        </p:spPr>
+      </p:pic>
+    </p:spTree>
+    <p:extLst>
+      <p:ext uri="{BB962C8B-B14F-4D97-AF65-F5344CB8AC3E}">
+        <p14:creationId xmlns:p14="http://schemas.microsoft.com/office/powerpoint/2010/main" val="2802005366"/>
+      </p:ext>
+    </p:extLst>
+  </p:cSld>
+  <p:clrMapOvr>
+    <a:masterClrMapping/>
+  </p:clrMapOvr>
+  <p:transition>
+    <p:fade/>
+  </p:transition>
+</p:sld>
+</file>
+
+<file path=ppt/slides/slide13.xml><?xml version="1.0" encoding="utf-8"?>
+<p:sld xmlns:a="http://schemas.openxmlformats.org/drawingml/2006/main" xmlns:r="http://schemas.openxmlformats.org/officeDocument/2006/relationships" xmlns:p="http://schemas.openxmlformats.org/presentationml/2006/main">
+  <p:cSld>
+    <p:spTree>
+      <p:nvGrpSpPr>
+        <p:cNvPr id="1" name=""/>
+        <p:cNvGrpSpPr/>
+        <p:nvPr/>
+      </p:nvGrpSpPr>
+      <p:grpSpPr>
+        <a:xfrm>
+          <a:off x="0" y="0"/>
+          <a:ext cx="0" cy="0"/>
+          <a:chOff x="0" y="0"/>
+          <a:chExt cx="0" cy="0"/>
+        </a:xfrm>
+      </p:grpSpPr>
+      <p:sp>
+        <p:nvSpPr>
+          <p:cNvPr id="2" name="Title 1"/>
+          <p:cNvSpPr>
+            <a:spLocks noGrp="1"/>
+          </p:cNvSpPr>
+          <p:nvPr>
+            <p:ph type="title"/>
+          </p:nvPr>
+        </p:nvSpPr>
+        <p:spPr/>
+        <p:txBody>
+          <a:bodyPr/>
+          <a:lstStyle/>
+          <a:p>
+            <a:r>
+              <a:rPr lang="en-US" dirty="0"/>
+              <a:t>Summary</a:t>
+            </a:r>
+          </a:p>
+        </p:txBody>
+      </p:sp>
+      <p:sp>
+        <p:nvSpPr>
+          <p:cNvPr id="3" name="Text Placeholder 2"/>
+          <p:cNvSpPr>
+            <a:spLocks noGrp="1"/>
+          </p:cNvSpPr>
+          <p:nvPr>
+            <p:ph type="body" idx="1"/>
+          </p:nvPr>
+        </p:nvSpPr>
+        <p:spPr/>
+        <p:txBody>
+          <a:bodyPr/>
+          <a:lstStyle/>
+          <a:p>
+            <a:r>
+              <a:rPr lang="en-US" dirty="0"/>
+              <a:t>Configuration and DI work together</a:t>
+            </a:r>
+          </a:p>
+          <a:p>
+            <a:r>
+              <a:rPr lang="en-US" dirty="0"/>
+              <a:t>Many options for flexibility and extensibility</a:t>
+            </a:r>
+          </a:p>
+          <a:p>
+            <a:endParaRPr lang="en-US" dirty="0"/>
+          </a:p>
+        </p:txBody>
+      </p:sp>
+      <p:pic>
+        <p:nvPicPr>
+          <p:cNvPr id="4" name="Picture 3"/>
+          <p:cNvPicPr>
+            <a:picLocks noChangeAspect="1"/>
+          </p:cNvPicPr>
+          <p:nvPr/>
+        </p:nvPicPr>
+        <p:blipFill>
+          <a:blip r:embed="rId2"/>
+          <a:stretch>
+            <a:fillRect/>
+          </a:stretch>
+        </p:blipFill>
+        <p:spPr>
+          <a:xfrm>
+            <a:off x="347662" y="2971800"/>
+            <a:ext cx="8448675" cy="1200150"/>
+          </a:xfrm>
+          <a:prstGeom prst="rect">
+            <a:avLst/>
+          </a:prstGeom>
+        </p:spPr>
+      </p:pic>
+    </p:spTree>
+    <p:extLst>
+      <p:ext uri="{BB962C8B-B14F-4D97-AF65-F5344CB8AC3E}">
+        <p14:creationId xmlns:p14="http://schemas.microsoft.com/office/powerpoint/2010/main" val="3798189858"/>
+      </p:ext>
+    </p:extLst>
+  </p:cSld>
+  <p:clrMapOvr>
+    <a:masterClrMapping/>
+  </p:clrMapOvr>
+  <p:transition>
+    <p:fade/>
+  </p:transition>
+</p:sld>
+</file>
+
+<file path=ppt/slides/slide2.xml><?xml version="1.0" encoding="utf-8"?>
+<p:sld xmlns:a="http://schemas.openxmlformats.org/drawingml/2006/main" xmlns:r="http://schemas.openxmlformats.org/officeDocument/2006/relationships" xmlns:p="http://schemas.openxmlformats.org/presentationml/2006/main">
+  <p:cSld>
+    <p:spTree>
+      <p:nvGrpSpPr>
+        <p:cNvPr id="1" name=""/>
+        <p:cNvGrpSpPr/>
+        <p:nvPr/>
+      </p:nvGrpSpPr>
+      <p:grpSpPr>
+        <a:xfrm>
+          <a:off x="0" y="0"/>
+          <a:ext cx="0" cy="0"/>
+          <a:chOff x="0" y="0"/>
+          <a:chExt cx="0" cy="0"/>
+        </a:xfrm>
+      </p:grpSpPr>
+      <p:sp>
+        <p:nvSpPr>
+          <p:cNvPr id="2" name="Title 1"/>
+          <p:cNvSpPr>
+            <a:spLocks noGrp="1"/>
+          </p:cNvSpPr>
+          <p:nvPr>
+            <p:ph type="title"/>
+          </p:nvPr>
+        </p:nvSpPr>
+        <p:spPr/>
+        <p:txBody>
+          <a:bodyPr/>
+          <a:lstStyle/>
+          <a:p>
+            <a:r>
+              <a:rPr lang="en-US" dirty="0" err="1"/>
+              <a:t>global.json</a:t>
+            </a:r>
+            <a:endParaRPr lang="en-US" dirty="0"/>
+          </a:p>
+        </p:txBody>
+      </p:sp>
+      <p:sp>
+        <p:nvSpPr>
+          <p:cNvPr id="3" name="Text Placeholder 2"/>
+          <p:cNvSpPr>
+            <a:spLocks noGrp="1"/>
+          </p:cNvSpPr>
+          <p:nvPr>
+            <p:ph type="body" idx="1"/>
+          </p:nvPr>
+        </p:nvSpPr>
+        <p:spPr/>
+        <p:txBody>
+          <a:bodyPr/>
+          <a:lstStyle/>
+          <a:p>
+            <a:r>
+              <a:rPr lang="en-US" dirty="0"/>
+              <a:t>Projects indicates which folders have source code</a:t>
+            </a:r>
+          </a:p>
+          <a:p>
+            <a:endParaRPr lang="en-US" dirty="0"/>
+          </a:p>
+        </p:txBody>
+      </p:sp>
+      <p:pic>
+        <p:nvPicPr>
+          <p:cNvPr id="4" name="Picture 3"/>
+          <p:cNvPicPr>
+            <a:picLocks noChangeAspect="1"/>
+          </p:cNvPicPr>
+          <p:nvPr/>
+        </p:nvPicPr>
+        <p:blipFill>
+          <a:blip r:embed="rId2"/>
+          <a:stretch>
+            <a:fillRect/>
+          </a:stretch>
+        </p:blipFill>
+        <p:spPr>
+          <a:xfrm>
+            <a:off x="1295400" y="3200400"/>
+            <a:ext cx="6613890" cy="1219200"/>
+          </a:xfrm>
+          <a:prstGeom prst="rect">
+            <a:avLst/>
+          </a:prstGeom>
+        </p:spPr>
+      </p:pic>
+    </p:spTree>
+    <p:extLst>
+      <p:ext uri="{BB962C8B-B14F-4D97-AF65-F5344CB8AC3E}">
+        <p14:creationId xmlns:p14="http://schemas.microsoft.com/office/powerpoint/2010/main" val="2626361664"/>
+      </p:ext>
+    </p:extLst>
+  </p:cSld>
+  <p:clrMapOvr>
+    <a:masterClrMapping/>
+  </p:clrMapOvr>
+  <p:transition>
+    <p:fade/>
+  </p:transition>
+</p:sld>
+</file>
+
+<file path=ppt/slides/slide3.xml><?xml version="1.0" encoding="utf-8"?>
+<p:sld xmlns:a="http://schemas.openxmlformats.org/drawingml/2006/main" xmlns:r="http://schemas.openxmlformats.org/officeDocument/2006/relationships" xmlns:p="http://schemas.openxmlformats.org/presentationml/2006/main">
+  <p:cSld>
+    <p:spTree>
+      <p:nvGrpSpPr>
+        <p:cNvPr id="1" name=""/>
+        <p:cNvGrpSpPr/>
+        <p:nvPr/>
+      </p:nvGrpSpPr>
+      <p:grpSpPr>
+        <a:xfrm>
+          <a:off x="0" y="0"/>
+          <a:ext cx="0" cy="0"/>
+          <a:chOff x="0" y="0"/>
+          <a:chExt cx="0" cy="0"/>
+        </a:xfrm>
+      </p:grpSpPr>
+      <p:sp>
+        <p:nvSpPr>
+          <p:cNvPr id="2" name="Title 1"/>
+          <p:cNvSpPr>
+            <a:spLocks noGrp="1"/>
+          </p:cNvSpPr>
+          <p:nvPr>
+            <p:ph type="title"/>
+          </p:nvPr>
+        </p:nvSpPr>
+        <p:spPr/>
+        <p:txBody>
+          <a:bodyPr/>
+          <a:lstStyle/>
+          <a:p>
+            <a:r>
+              <a:rPr lang="en-US" dirty="0"/>
+              <a:t>Dependencies</a:t>
+            </a:r>
+          </a:p>
+        </p:txBody>
+      </p:sp>
+      <p:sp>
+        <p:nvSpPr>
+          <p:cNvPr id="3" name="Text Placeholder 2"/>
+          <p:cNvSpPr>
+            <a:spLocks noGrp="1"/>
+          </p:cNvSpPr>
+          <p:nvPr>
+            <p:ph type="body" idx="1"/>
+          </p:nvPr>
+        </p:nvSpPr>
+        <p:spPr/>
+        <p:txBody>
+          <a:bodyPr/>
+          <a:lstStyle/>
+          <a:p>
+            <a:r>
+              <a:rPr lang="en-US" dirty="0"/>
+              <a:t>Can allow versions to float</a:t>
+            </a:r>
+          </a:p>
+          <a:p>
+            <a:r>
+              <a:rPr lang="en-US" dirty="0"/>
+              <a:t>Only top level dependencies required</a:t>
+            </a:r>
+          </a:p>
+          <a:p>
+            <a:r>
+              <a:rPr lang="en-US" dirty="0"/>
+              <a:t>Lock file can override dependency resolution</a:t>
+            </a:r>
+          </a:p>
+        </p:txBody>
+      </p:sp>
+      <p:pic>
+        <p:nvPicPr>
+          <p:cNvPr id="4" name="Picture 3"/>
+          <p:cNvPicPr>
+            <a:picLocks noChangeAspect="1"/>
+          </p:cNvPicPr>
+          <p:nvPr/>
+        </p:nvPicPr>
+        <p:blipFill>
+          <a:blip r:embed="rId2"/>
+          <a:stretch>
+            <a:fillRect/>
+          </a:stretch>
+        </p:blipFill>
+        <p:spPr>
+          <a:xfrm>
+            <a:off x="1671637" y="3048000"/>
+            <a:ext cx="5800725" cy="2305050"/>
+          </a:xfrm>
+          <a:prstGeom prst="rect">
+            <a:avLst/>
+          </a:prstGeom>
+        </p:spPr>
+      </p:pic>
+    </p:spTree>
+    <p:extLst>
+      <p:ext uri="{BB962C8B-B14F-4D97-AF65-F5344CB8AC3E}">
+        <p14:creationId xmlns:p14="http://schemas.microsoft.com/office/powerpoint/2010/main" val="2214970751"/>
+      </p:ext>
+    </p:extLst>
+  </p:cSld>
+  <p:clrMapOvr>
+    <a:masterClrMapping/>
+  </p:clrMapOvr>
+  <p:transition>
+    <p:fade/>
+  </p:transition>
+</p:sld>
+</file>
+
+<file path=ppt/slides/slide4.xml><?xml version="1.0" encoding="utf-8"?>
+<p:sld xmlns:a="http://schemas.openxmlformats.org/drawingml/2006/main" xmlns:r="http://schemas.openxmlformats.org/officeDocument/2006/relationships" xmlns:p="http://schemas.openxmlformats.org/presentationml/2006/main">
+  <p:cSld>
+    <p:spTree>
+      <p:nvGrpSpPr>
+        <p:cNvPr id="1" name=""/>
+        <p:cNvGrpSpPr/>
+        <p:nvPr/>
+      </p:nvGrpSpPr>
+      <p:grpSpPr>
+        <a:xfrm>
+          <a:off x="0" y="0"/>
+          <a:ext cx="0" cy="0"/>
+          <a:chOff x="0" y="0"/>
+          <a:chExt cx="0" cy="0"/>
+        </a:xfrm>
+      </p:grpSpPr>
+      <p:sp>
+        <p:nvSpPr>
+          <p:cNvPr id="2" name="Title 1"/>
+          <p:cNvSpPr>
+            <a:spLocks noGrp="1"/>
+          </p:cNvSpPr>
+          <p:nvPr>
+            <p:ph type="title"/>
+          </p:nvPr>
+        </p:nvSpPr>
+        <p:spPr/>
+        <p:txBody>
+          <a:bodyPr/>
+          <a:lstStyle/>
+          <a:p>
+            <a:r>
+              <a:rPr lang="en-US" dirty="0"/>
+              <a:t>Runtime Configuration</a:t>
+            </a:r>
+          </a:p>
+        </p:txBody>
+      </p:sp>
+      <p:sp>
+        <p:nvSpPr>
+          <p:cNvPr id="3" name="Text Placeholder 2"/>
+          <p:cNvSpPr>
+            <a:spLocks noGrp="1"/>
+          </p:cNvSpPr>
+          <p:nvPr>
+            <p:ph type="body" idx="1"/>
+          </p:nvPr>
+        </p:nvSpPr>
+        <p:spPr/>
+        <p:txBody>
+          <a:bodyPr/>
+          <a:lstStyle/>
+          <a:p>
+            <a:r>
+              <a:rPr lang="en-US" dirty="0"/>
+              <a:t>Instantiate Configuration class in Startup</a:t>
+            </a:r>
+          </a:p>
+          <a:p>
+            <a:r>
+              <a:rPr lang="en-US" dirty="0"/>
+              <a:t>Add sources via extension methods</a:t>
+            </a:r>
+          </a:p>
+          <a:p>
+            <a:pPr lvl="1"/>
+            <a:r>
+              <a:rPr lang="en-US" dirty="0"/>
+              <a:t>JSON</a:t>
+            </a:r>
+          </a:p>
+          <a:p>
+            <a:pPr lvl="1"/>
+            <a:r>
+              <a:rPr lang="en-US" dirty="0"/>
+              <a:t>INI</a:t>
+            </a:r>
+          </a:p>
+          <a:p>
+            <a:pPr lvl="1"/>
+            <a:r>
+              <a:rPr lang="en-US" dirty="0"/>
+              <a:t>Environment variables</a:t>
+            </a:r>
+          </a:p>
+          <a:p>
+            <a:pPr lvl="1"/>
+            <a:r>
+              <a:rPr lang="en-US" dirty="0"/>
+              <a:t>XML</a:t>
+            </a:r>
+          </a:p>
+          <a:p>
+            <a:pPr lvl="1"/>
+            <a:r>
+              <a:rPr lang="en-US" dirty="0"/>
+              <a:t>Command line</a:t>
+            </a:r>
+          </a:p>
+          <a:p>
+            <a:pPr lvl="1"/>
+            <a:endParaRPr lang="en-US" dirty="0"/>
+          </a:p>
+          <a:p>
+            <a:endParaRPr lang="en-US" dirty="0"/>
+          </a:p>
+        </p:txBody>
+      </p:sp>
+      <p:pic>
+        <p:nvPicPr>
+          <p:cNvPr id="4" name="Picture 3"/>
+          <p:cNvPicPr>
+            <a:picLocks noChangeAspect="1"/>
+          </p:cNvPicPr>
+          <p:nvPr/>
+        </p:nvPicPr>
+        <p:blipFill>
+          <a:blip r:embed="rId2"/>
+          <a:stretch>
+            <a:fillRect/>
+          </a:stretch>
+        </p:blipFill>
+        <p:spPr>
+          <a:xfrm>
+            <a:off x="2209800" y="4114800"/>
+            <a:ext cx="4876800" cy="1009650"/>
+          </a:xfrm>
+          <a:prstGeom prst="rect">
+            <a:avLst/>
+          </a:prstGeom>
+        </p:spPr>
+      </p:pic>
+    </p:spTree>
+    <p:extLst>
+      <p:ext uri="{BB962C8B-B14F-4D97-AF65-F5344CB8AC3E}">
+        <p14:creationId xmlns:p14="http://schemas.microsoft.com/office/powerpoint/2010/main" val="3033191651"/>
+      </p:ext>
+    </p:extLst>
+  </p:cSld>
+  <p:clrMapOvr>
+    <a:masterClrMapping/>
+  </p:clrMapOvr>
+  <p:transition>
+    <p:fade/>
+  </p:transition>
+</p:sld>
+</file>
+
+<file path=ppt/slides/slide5.xml><?xml version="1.0" encoding="utf-8"?>
+<p:sld xmlns:a="http://schemas.openxmlformats.org/drawingml/2006/main" xmlns:r="http://schemas.openxmlformats.org/officeDocument/2006/relationships" xmlns:p="http://schemas.openxmlformats.org/presentationml/2006/main">
+  <p:cSld>
+    <p:spTree>
+      <p:nvGrpSpPr>
+        <p:cNvPr id="1" name=""/>
+        <p:cNvGrpSpPr/>
+        <p:nvPr/>
+      </p:nvGrpSpPr>
+      <p:grpSpPr>
+        <a:xfrm>
+          <a:off x="0" y="0"/>
+          <a:ext cx="0" cy="0"/>
+          <a:chOff x="0" y="0"/>
+          <a:chExt cx="0" cy="0"/>
+        </a:xfrm>
+      </p:grpSpPr>
+      <p:sp>
+        <p:nvSpPr>
+          <p:cNvPr id="2" name="Title 1"/>
+          <p:cNvSpPr>
+            <a:spLocks noGrp="1"/>
+          </p:cNvSpPr>
+          <p:nvPr>
+            <p:ph type="title"/>
+          </p:nvPr>
+        </p:nvSpPr>
+        <p:spPr/>
+        <p:txBody>
+          <a:bodyPr/>
+          <a:lstStyle/>
+          <a:p>
+            <a:r>
+              <a:rPr lang="en-US" dirty="0"/>
+              <a:t>Configuration Is Key =&gt; Value</a:t>
+            </a:r>
+          </a:p>
+        </p:txBody>
+      </p:sp>
+      <p:sp>
+        <p:nvSpPr>
+          <p:cNvPr id="3" name="Text Placeholder 2"/>
+          <p:cNvSpPr>
+            <a:spLocks noGrp="1"/>
+          </p:cNvSpPr>
+          <p:nvPr>
+            <p:ph type="body" idx="1"/>
+          </p:nvPr>
+        </p:nvSpPr>
+        <p:spPr/>
+        <p:txBody>
+          <a:bodyPr/>
+          <a:lstStyle/>
+          <a:p>
+            <a:r>
+              <a:rPr lang="en-US" dirty="0"/>
+              <a:t>Drill into hierarchy using :</a:t>
+            </a:r>
+          </a:p>
+        </p:txBody>
+      </p:sp>
+      <p:pic>
+        <p:nvPicPr>
+          <p:cNvPr id="4" name="Picture 3"/>
+          <p:cNvPicPr>
+            <a:picLocks noChangeAspect="1"/>
+          </p:cNvPicPr>
+          <p:nvPr/>
+        </p:nvPicPr>
+        <p:blipFill>
+          <a:blip r:embed="rId2"/>
+          <a:stretch>
+            <a:fillRect/>
+          </a:stretch>
+        </p:blipFill>
+        <p:spPr>
+          <a:xfrm>
+            <a:off x="1600200" y="3067050"/>
+            <a:ext cx="5943600" cy="723900"/>
+          </a:xfrm>
+          <a:prstGeom prst="rect">
+            <a:avLst/>
+          </a:prstGeom>
+        </p:spPr>
+      </p:pic>
+    </p:spTree>
+    <p:extLst>
+      <p:ext uri="{BB962C8B-B14F-4D97-AF65-F5344CB8AC3E}">
+        <p14:creationId xmlns:p14="http://schemas.microsoft.com/office/powerpoint/2010/main" val="1150146007"/>
+      </p:ext>
+    </p:extLst>
+  </p:cSld>
+  <p:clrMapOvr>
+    <a:masterClrMapping/>
+  </p:clrMapOvr>
+  <p:transition>
+    <p:fade/>
+  </p:transition>
+</p:sld>
+</file>
+
+<file path=ppt/slides/slide6.xml><?xml version="1.0" encoding="utf-8"?>
+<p:sld xmlns:a="http://schemas.openxmlformats.org/drawingml/2006/main" xmlns:r="http://schemas.openxmlformats.org/officeDocument/2006/relationships" xmlns:p="http://schemas.openxmlformats.org/presentationml/2006/main">
+  <p:cSld>
+    <p:spTree>
+      <p:nvGrpSpPr>
+        <p:cNvPr id="1" name=""/>
+        <p:cNvGrpSpPr/>
+        <p:nvPr/>
+      </p:nvGrpSpPr>
+      <p:grpSpPr>
+        <a:xfrm>
+          <a:off x="0" y="0"/>
+          <a:ext cx="0" cy="0"/>
+          <a:chOff x="0" y="0"/>
+          <a:chExt cx="0" cy="0"/>
+        </a:xfrm>
+      </p:grpSpPr>
+      <p:sp>
+        <p:nvSpPr>
+          <p:cNvPr id="2" name="Title 1"/>
+          <p:cNvSpPr>
+            <a:spLocks noGrp="1"/>
+          </p:cNvSpPr>
+          <p:nvPr>
+            <p:ph type="title"/>
+          </p:nvPr>
+        </p:nvSpPr>
+        <p:spPr/>
+        <p:txBody>
+          <a:bodyPr/>
+          <a:lstStyle/>
+          <a:p>
+            <a:r>
+              <a:rPr lang="en-US" dirty="0"/>
+              <a:t>Configuration Sources Override</a:t>
+            </a:r>
+          </a:p>
+        </p:txBody>
+      </p:sp>
+      <p:sp>
+        <p:nvSpPr>
+          <p:cNvPr id="3" name="Text Placeholder 2"/>
+          <p:cNvSpPr>
+            <a:spLocks noGrp="1"/>
+          </p:cNvSpPr>
+          <p:nvPr>
+            <p:ph type="body" idx="1"/>
+          </p:nvPr>
+        </p:nvSpPr>
+        <p:spPr/>
+        <p:txBody>
+          <a:bodyPr/>
+          <a:lstStyle/>
+          <a:p>
+            <a:r>
+              <a:rPr lang="en-US" dirty="0"/>
+              <a:t>Last entry wins</a:t>
+            </a:r>
+          </a:p>
+        </p:txBody>
+      </p:sp>
+      <p:pic>
+        <p:nvPicPr>
+          <p:cNvPr id="4" name="Picture 3"/>
+          <p:cNvPicPr>
+            <a:picLocks noChangeAspect="1"/>
+          </p:cNvPicPr>
+          <p:nvPr/>
+        </p:nvPicPr>
+        <p:blipFill>
+          <a:blip r:embed="rId2"/>
+          <a:stretch>
+            <a:fillRect/>
+          </a:stretch>
+        </p:blipFill>
+        <p:spPr>
+          <a:xfrm>
+            <a:off x="2005012" y="2781300"/>
+            <a:ext cx="5133975" cy="1295400"/>
+          </a:xfrm>
+          <a:prstGeom prst="rect">
+            <a:avLst/>
+          </a:prstGeom>
+        </p:spPr>
+      </p:pic>
+    </p:spTree>
+    <p:extLst>
+      <p:ext uri="{BB962C8B-B14F-4D97-AF65-F5344CB8AC3E}">
+        <p14:creationId xmlns:p14="http://schemas.microsoft.com/office/powerpoint/2010/main" val="1223731185"/>
+      </p:ext>
+    </p:extLst>
+  </p:cSld>
+  <p:clrMapOvr>
+    <a:masterClrMapping/>
+  </p:clrMapOvr>
+  <p:transition>
+    <p:fade/>
+  </p:transition>
+</p:sld>
+</file>
+
+<file path=ppt/slides/slide7.xml><?xml version="1.0" encoding="utf-8"?>
+<p:sld xmlns:a="http://schemas.openxmlformats.org/drawingml/2006/main" xmlns:r="http://schemas.openxmlformats.org/officeDocument/2006/relationships" xmlns:p="http://schemas.openxmlformats.org/presentationml/2006/main">
+  <p:cSld>
+    <p:spTree>
+      <p:nvGrpSpPr>
+        <p:cNvPr id="1" name=""/>
+        <p:cNvGrpSpPr/>
+        <p:nvPr/>
+      </p:nvGrpSpPr>
+      <p:grpSpPr>
+        <a:xfrm>
+          <a:off x="0" y="0"/>
+          <a:ext cx="0" cy="0"/>
+          <a:chOff x="0" y="0"/>
+          <a:chExt cx="0" cy="0"/>
+        </a:xfrm>
+      </p:grpSpPr>
+      <p:sp>
+        <p:nvSpPr>
+          <p:cNvPr id="2" name="Title 1"/>
+          <p:cNvSpPr>
+            <a:spLocks noGrp="1"/>
+          </p:cNvSpPr>
+          <p:nvPr>
+            <p:ph type="title"/>
+          </p:nvPr>
+        </p:nvSpPr>
+        <p:spPr/>
+        <p:txBody>
+          <a:bodyPr/>
+          <a:lstStyle/>
+          <a:p>
+            <a:r>
+              <a:rPr lang="en-US" dirty="0"/>
+              <a:t>Using the Environment</a:t>
+            </a:r>
+          </a:p>
+        </p:txBody>
+      </p:sp>
+      <p:sp>
+        <p:nvSpPr>
+          <p:cNvPr id="3" name="Text Placeholder 2"/>
+          <p:cNvSpPr>
+            <a:spLocks noGrp="1"/>
+          </p:cNvSpPr>
+          <p:nvPr>
+            <p:ph type="body" idx="1"/>
+          </p:nvPr>
+        </p:nvSpPr>
+        <p:spPr/>
+        <p:txBody>
+          <a:bodyPr/>
+          <a:lstStyle/>
+          <a:p>
+            <a:r>
+              <a:rPr lang="en-US" dirty="0"/>
+              <a:t>Add files with names corresponding to environment</a:t>
+            </a:r>
+          </a:p>
+        </p:txBody>
+      </p:sp>
+      <p:pic>
+        <p:nvPicPr>
+          <p:cNvPr id="4" name="Picture 3"/>
+          <p:cNvPicPr>
+            <a:picLocks noChangeAspect="1"/>
+          </p:cNvPicPr>
+          <p:nvPr/>
+        </p:nvPicPr>
+        <p:blipFill>
+          <a:blip r:embed="rId2"/>
+          <a:stretch>
+            <a:fillRect/>
+          </a:stretch>
+        </p:blipFill>
+        <p:spPr>
+          <a:xfrm>
+            <a:off x="642937" y="3810000"/>
+            <a:ext cx="7858125" cy="1085850"/>
+          </a:xfrm>
+          <a:prstGeom prst="rect">
+            <a:avLst/>
+          </a:prstGeom>
+        </p:spPr>
+      </p:pic>
+    </p:spTree>
+    <p:extLst>
+      <p:ext uri="{BB962C8B-B14F-4D97-AF65-F5344CB8AC3E}">
+        <p14:creationId xmlns:p14="http://schemas.microsoft.com/office/powerpoint/2010/main" val="919092097"/>
+      </p:ext>
+    </p:extLst>
+  </p:cSld>
+  <p:clrMapOvr>
+    <a:masterClrMapping/>
+  </p:clrMapOvr>
+  <p:transition>
+    <p:fade/>
+  </p:transition>
+</p:sld>
+</file>
+
+<file path=ppt/slides/slide8.xml><?xml version="1.0" encoding="utf-8"?>
+<p:sld xmlns:a="http://schemas.openxmlformats.org/drawingml/2006/main" xmlns:r="http://schemas.openxmlformats.org/officeDocument/2006/relationships" xmlns:p="http://schemas.openxmlformats.org/presentationml/2006/main">
+  <p:cSld>
+    <p:spTree>
+      <p:nvGrpSpPr>
+        <p:cNvPr id="1" name=""/>
+        <p:cNvGrpSpPr/>
+        <p:nvPr/>
+      </p:nvGrpSpPr>
+      <p:grpSpPr>
+        <a:xfrm>
+          <a:off x="0" y="0"/>
+          <a:ext cx="0" cy="0"/>
+          <a:chOff x="0" y="0"/>
+          <a:chExt cx="0" cy="0"/>
+        </a:xfrm>
+      </p:grpSpPr>
+      <p:sp>
+        <p:nvSpPr>
+          <p:cNvPr id="2" name="Title 1"/>
+          <p:cNvSpPr>
+            <a:spLocks noGrp="1"/>
+          </p:cNvSpPr>
+          <p:nvPr>
+            <p:ph type="title"/>
+          </p:nvPr>
+        </p:nvSpPr>
+        <p:spPr/>
+        <p:txBody>
+          <a:bodyPr/>
+          <a:lstStyle/>
+          <a:p>
+            <a:r>
+              <a:rPr lang="en-US" dirty="0"/>
+              <a:t>User Secrets</a:t>
+            </a:r>
+          </a:p>
+        </p:txBody>
+      </p:sp>
+      <p:sp>
+        <p:nvSpPr>
+          <p:cNvPr id="3" name="Text Placeholder 2"/>
+          <p:cNvSpPr>
+            <a:spLocks noGrp="1"/>
+          </p:cNvSpPr>
+          <p:nvPr>
+            <p:ph type="body" idx="1"/>
+          </p:nvPr>
+        </p:nvSpPr>
+        <p:spPr/>
+        <p:txBody>
+          <a:bodyPr/>
+          <a:lstStyle/>
+          <a:p>
+            <a:r>
+              <a:rPr lang="en-US" dirty="0"/>
               <a:t>Secrets stored in user home directory</a:t>
             </a:r>
           </a:p>
           <a:p>
             <a:r>
-              <a:rPr lang="en-US" dirty="0" smtClean="0"/>
+              <a:rPr lang="en-US" dirty="0"/>
               <a:t>Manage from Visual Studio or user-secrets CLI</a:t>
             </a:r>
           </a:p>
           <a:p>
             <a:r>
-              <a:rPr lang="en-US" dirty="0" smtClean="0"/>
+              <a:rPr lang="en-US" dirty="0"/>
               <a:t>Allows protected configuration outside of source control</a:t>
             </a:r>
-            <a:endParaRPr lang="en-US" dirty="0"/>
           </a:p>
         </p:txBody>
       </p:sp>
@@ -2938,17 +4067,10 @@
   <p:transition>
     <p:fade/>
   </p:transition>
-  <p:timing>
-    <p:tnLst>
-      <p:par>
-        <p:cTn id="1" dur="indefinite" restart="never" nodeType="tmRoot"/>
-      </p:par>
-    </p:tnLst>
-  </p:timing>
 </p:sld>
 </file>
 
-<file path=ppt/slides/slide11.xml><?xml version="1.0" encoding="utf-8"?>
+<file path=ppt/slides/slide9.xml><?xml version="1.0" encoding="utf-8"?>
 <p:sld xmlns:a="http://schemas.openxmlformats.org/drawingml/2006/main" xmlns:r="http://schemas.openxmlformats.org/officeDocument/2006/relationships" xmlns:p="http://schemas.openxmlformats.org/presentationml/2006/main">
   <p:cSld>
     <p:spTree>
@@ -2981,10 +4103,9 @@
           <a:lstStyle/>
           <a:p>
             <a:r>
-              <a:rPr lang="en-US" dirty="0" smtClean="0"/>
+              <a:rPr lang="en-US" dirty="0"/>
               <a:t>Configuration In The Application</a:t>
             </a:r>
-            <a:endParaRPr lang="en-US" dirty="0"/>
           </a:p>
         </p:txBody>
       </p:sp>
@@ -3004,18 +4125,17 @@
           <a:lstStyle/>
           <a:p>
             <a:r>
-              <a:rPr lang="en-US" dirty="0" smtClean="0"/>
+              <a:rPr lang="en-US" dirty="0"/>
               <a:t>Inject </a:t>
             </a:r>
             <a:r>
-              <a:rPr lang="en-US" dirty="0" err="1" smtClean="0"/>
+              <a:rPr lang="en-US" dirty="0" err="1"/>
               <a:t>IOption</a:t>
             </a:r>
             <a:r>
-              <a:rPr lang="en-US" dirty="0" smtClean="0"/>
+              <a:rPr lang="en-US" dirty="0"/>
               <a:t>&lt;T&gt; instances</a:t>
             </a:r>
-            <a:endParaRPr lang="en-US" dirty="0"/>
           </a:p>
         </p:txBody>
       </p:sp>
@@ -3056,1518 +4176,6 @@
   <p:transition>
     <p:fade/>
   </p:transition>
-  <p:timing>
-    <p:tnLst>
-      <p:par>
-        <p:cTn id="1" dur="indefinite" restart="never" nodeType="tmRoot"/>
-      </p:par>
-    </p:tnLst>
-  </p:timing>
-</p:sld>
-</file>
-
-<file path=ppt/slides/slide12.xml><?xml version="1.0" encoding="utf-8"?>
-<p:sld xmlns:a="http://schemas.openxmlformats.org/drawingml/2006/main" xmlns:r="http://schemas.openxmlformats.org/officeDocument/2006/relationships" xmlns:p="http://schemas.openxmlformats.org/presentationml/2006/main">
-  <p:cSld>
-    <p:spTree>
-      <p:nvGrpSpPr>
-        <p:cNvPr id="1" name=""/>
-        <p:cNvGrpSpPr/>
-        <p:nvPr/>
-      </p:nvGrpSpPr>
-      <p:grpSpPr>
-        <a:xfrm>
-          <a:off x="0" y="0"/>
-          <a:ext cx="0" cy="0"/>
-          <a:chOff x="0" y="0"/>
-          <a:chExt cx="0" cy="0"/>
-        </a:xfrm>
-      </p:grpSpPr>
-      <p:sp>
-        <p:nvSpPr>
-          <p:cNvPr id="2" name="Title 1"/>
-          <p:cNvSpPr>
-            <a:spLocks noGrp="1"/>
-          </p:cNvSpPr>
-          <p:nvPr>
-            <p:ph type="title"/>
-          </p:nvPr>
-        </p:nvSpPr>
-        <p:spPr/>
-        <p:txBody>
-          <a:bodyPr/>
-          <a:lstStyle/>
-          <a:p>
-            <a:r>
-              <a:rPr lang="en-US" dirty="0" smtClean="0"/>
-              <a:t>Custom Configuration Providers</a:t>
-            </a:r>
-            <a:endParaRPr lang="en-US" dirty="0"/>
-          </a:p>
-        </p:txBody>
-      </p:sp>
-      <p:sp>
-        <p:nvSpPr>
-          <p:cNvPr id="3" name="Text Placeholder 2"/>
-          <p:cNvSpPr>
-            <a:spLocks noGrp="1"/>
-          </p:cNvSpPr>
-          <p:nvPr>
-            <p:ph type="body" idx="1"/>
-          </p:nvPr>
-        </p:nvSpPr>
-        <p:spPr/>
-        <p:txBody>
-          <a:bodyPr/>
-          <a:lstStyle/>
-          <a:p>
-            <a:r>
-              <a:rPr lang="en-US" dirty="0" smtClean="0"/>
-              <a:t>Implement </a:t>
-            </a:r>
-            <a:r>
-              <a:rPr lang="en-US" dirty="0" err="1" smtClean="0"/>
-              <a:t>IConfigurationSource</a:t>
-            </a:r>
-            <a:endParaRPr lang="en-US" dirty="0" smtClean="0"/>
-          </a:p>
-          <a:p>
-            <a:pPr lvl="1"/>
-            <a:r>
-              <a:rPr lang="en-US" dirty="0" smtClean="0"/>
-              <a:t>Load, Set, </a:t>
-            </a:r>
-            <a:r>
-              <a:rPr lang="en-US" dirty="0" err="1" smtClean="0"/>
-              <a:t>TryGet</a:t>
-            </a:r>
-            <a:endParaRPr lang="en-US" dirty="0" smtClean="0"/>
-          </a:p>
-          <a:p>
-            <a:r>
-              <a:rPr lang="en-US" dirty="0" smtClean="0"/>
-              <a:t>Or, inherit from </a:t>
-            </a:r>
-            <a:r>
-              <a:rPr lang="en-US" dirty="0" err="1" smtClean="0"/>
-              <a:t>ConfigurationSource</a:t>
-            </a:r>
-            <a:endParaRPr lang="en-US" dirty="0"/>
-          </a:p>
-        </p:txBody>
-      </p:sp>
-      <p:pic>
-        <p:nvPicPr>
-          <p:cNvPr id="4" name="Picture 3"/>
-          <p:cNvPicPr>
-            <a:picLocks noChangeAspect="1"/>
-          </p:cNvPicPr>
-          <p:nvPr/>
-        </p:nvPicPr>
-        <p:blipFill>
-          <a:blip r:embed="rId2"/>
-          <a:stretch>
-            <a:fillRect/>
-          </a:stretch>
-        </p:blipFill>
-        <p:spPr>
-          <a:xfrm>
-            <a:off x="1600200" y="2743200"/>
-            <a:ext cx="6067425" cy="3438525"/>
-          </a:xfrm>
-          <a:prstGeom prst="rect">
-            <a:avLst/>
-          </a:prstGeom>
-        </p:spPr>
-      </p:pic>
-    </p:spTree>
-    <p:extLst>
-      <p:ext uri="{BB962C8B-B14F-4D97-AF65-F5344CB8AC3E}">
-        <p14:creationId xmlns:p14="http://schemas.microsoft.com/office/powerpoint/2010/main" val="2830703332"/>
-      </p:ext>
-    </p:extLst>
-  </p:cSld>
-  <p:clrMapOvr>
-    <a:masterClrMapping/>
-  </p:clrMapOvr>
-  <p:transition>
-    <p:fade/>
-  </p:transition>
-  <p:timing>
-    <p:tnLst>
-      <p:par>
-        <p:cTn id="1" dur="indefinite" restart="never" nodeType="tmRoot"/>
-      </p:par>
-    </p:tnLst>
-  </p:timing>
-</p:sld>
-</file>
-
-<file path=ppt/slides/slide13.xml><?xml version="1.0" encoding="utf-8"?>
-<p:sld xmlns:a="http://schemas.openxmlformats.org/drawingml/2006/main" xmlns:r="http://schemas.openxmlformats.org/officeDocument/2006/relationships" xmlns:p="http://schemas.openxmlformats.org/presentationml/2006/main">
-  <p:cSld>
-    <p:spTree>
-      <p:nvGrpSpPr>
-        <p:cNvPr id="1" name=""/>
-        <p:cNvGrpSpPr/>
-        <p:nvPr/>
-      </p:nvGrpSpPr>
-      <p:grpSpPr>
-        <a:xfrm>
-          <a:off x="0" y="0"/>
-          <a:ext cx="0" cy="0"/>
-          <a:chOff x="0" y="0"/>
-          <a:chExt cx="0" cy="0"/>
-        </a:xfrm>
-      </p:grpSpPr>
-      <p:sp>
-        <p:nvSpPr>
-          <p:cNvPr id="2" name="Title 1"/>
-          <p:cNvSpPr>
-            <a:spLocks noGrp="1"/>
-          </p:cNvSpPr>
-          <p:nvPr>
-            <p:ph type="title"/>
-          </p:nvPr>
-        </p:nvSpPr>
-        <p:spPr/>
-        <p:txBody>
-          <a:bodyPr/>
-          <a:lstStyle/>
-          <a:p>
-            <a:r>
-              <a:rPr lang="en-US" dirty="0" smtClean="0"/>
-              <a:t>Dependency Injection</a:t>
-            </a:r>
-            <a:endParaRPr lang="en-US" dirty="0"/>
-          </a:p>
-        </p:txBody>
-      </p:sp>
-      <p:sp>
-        <p:nvSpPr>
-          <p:cNvPr id="3" name="Text Placeholder 2"/>
-          <p:cNvSpPr>
-            <a:spLocks noGrp="1"/>
-          </p:cNvSpPr>
-          <p:nvPr>
-            <p:ph type="body" idx="1"/>
-          </p:nvPr>
-        </p:nvSpPr>
-        <p:spPr/>
-        <p:txBody>
-          <a:bodyPr/>
-          <a:lstStyle/>
-          <a:p>
-            <a:r>
-              <a:rPr lang="en-US" dirty="0" smtClean="0"/>
-              <a:t>Single, simple container out of the box (BYOC)</a:t>
-            </a:r>
-          </a:p>
-          <a:p>
-            <a:r>
-              <a:rPr lang="en-US" dirty="0" smtClean="0"/>
-              <a:t>DI all the way down</a:t>
-            </a:r>
-            <a:endParaRPr lang="en-US" dirty="0"/>
-          </a:p>
-        </p:txBody>
-      </p:sp>
-      <p:pic>
-        <p:nvPicPr>
-          <p:cNvPr id="4" name="Picture 3"/>
-          <p:cNvPicPr>
-            <a:picLocks noChangeAspect="1"/>
-          </p:cNvPicPr>
-          <p:nvPr/>
-        </p:nvPicPr>
-        <p:blipFill>
-          <a:blip r:embed="rId2"/>
-          <a:stretch>
-            <a:fillRect/>
-          </a:stretch>
-        </p:blipFill>
-        <p:spPr>
-          <a:xfrm>
-            <a:off x="457200" y="2819400"/>
-            <a:ext cx="8134350" cy="2449727"/>
-          </a:xfrm>
-          <a:prstGeom prst="rect">
-            <a:avLst/>
-          </a:prstGeom>
-        </p:spPr>
-      </p:pic>
-    </p:spTree>
-    <p:extLst>
-      <p:ext uri="{BB962C8B-B14F-4D97-AF65-F5344CB8AC3E}">
-        <p14:creationId xmlns:p14="http://schemas.microsoft.com/office/powerpoint/2010/main" val="4010436197"/>
-      </p:ext>
-    </p:extLst>
-  </p:cSld>
-  <p:clrMapOvr>
-    <a:masterClrMapping/>
-  </p:clrMapOvr>
-  <p:transition>
-    <p:fade/>
-  </p:transition>
-  <p:timing>
-    <p:tnLst>
-      <p:par>
-        <p:cTn id="1" dur="indefinite" restart="never" nodeType="tmRoot"/>
-      </p:par>
-    </p:tnLst>
-  </p:timing>
-</p:sld>
-</file>
-
-<file path=ppt/slides/slide14.xml><?xml version="1.0" encoding="utf-8"?>
-<p:sld xmlns:a="http://schemas.openxmlformats.org/drawingml/2006/main" xmlns:r="http://schemas.openxmlformats.org/officeDocument/2006/relationships" xmlns:p="http://schemas.openxmlformats.org/presentationml/2006/main">
-  <p:cSld>
-    <p:spTree>
-      <p:nvGrpSpPr>
-        <p:cNvPr id="1" name=""/>
-        <p:cNvGrpSpPr/>
-        <p:nvPr/>
-      </p:nvGrpSpPr>
-      <p:grpSpPr>
-        <a:xfrm>
-          <a:off x="0" y="0"/>
-          <a:ext cx="0" cy="0"/>
-          <a:chOff x="0" y="0"/>
-          <a:chExt cx="0" cy="0"/>
-        </a:xfrm>
-      </p:grpSpPr>
-      <p:sp>
-        <p:nvSpPr>
-          <p:cNvPr id="2" name="Title 1"/>
-          <p:cNvSpPr>
-            <a:spLocks noGrp="1"/>
-          </p:cNvSpPr>
-          <p:nvPr>
-            <p:ph type="title"/>
-          </p:nvPr>
-        </p:nvSpPr>
-        <p:spPr/>
-        <p:txBody>
-          <a:bodyPr/>
-          <a:lstStyle/>
-          <a:p>
-            <a:r>
-              <a:rPr lang="en-US" dirty="0" err="1" smtClean="0"/>
-              <a:t>IServiceProvider</a:t>
-            </a:r>
-            <a:endParaRPr lang="en-US" dirty="0"/>
-          </a:p>
-        </p:txBody>
-      </p:sp>
-      <p:sp>
-        <p:nvSpPr>
-          <p:cNvPr id="3" name="Text Placeholder 2"/>
-          <p:cNvSpPr>
-            <a:spLocks noGrp="1"/>
-          </p:cNvSpPr>
-          <p:nvPr>
-            <p:ph type="body" idx="1"/>
-          </p:nvPr>
-        </p:nvSpPr>
-        <p:spPr/>
-        <p:txBody>
-          <a:bodyPr/>
-          <a:lstStyle/>
-          <a:p>
-            <a:r>
-              <a:rPr lang="en-US" dirty="0" smtClean="0"/>
-              <a:t>Abstraction for </a:t>
-            </a:r>
-            <a:r>
-              <a:rPr lang="en-US" dirty="0" err="1" smtClean="0"/>
-              <a:t>systemwide</a:t>
-            </a:r>
-            <a:r>
-              <a:rPr lang="en-US" dirty="0" smtClean="0"/>
-              <a:t> container</a:t>
-            </a:r>
-          </a:p>
-          <a:p>
-            <a:r>
-              <a:rPr lang="en-US" dirty="0" smtClean="0"/>
-              <a:t>Implementation supports lifestyles:</a:t>
-            </a:r>
-          </a:p>
-          <a:p>
-            <a:pPr lvl="1"/>
-            <a:r>
-              <a:rPr lang="en-US" dirty="0" smtClean="0"/>
-              <a:t>Instance</a:t>
-            </a:r>
-          </a:p>
-          <a:p>
-            <a:pPr lvl="1"/>
-            <a:r>
-              <a:rPr lang="en-US" dirty="0" smtClean="0"/>
-              <a:t>Transient</a:t>
-            </a:r>
-          </a:p>
-          <a:p>
-            <a:pPr lvl="1"/>
-            <a:r>
-              <a:rPr lang="en-US" dirty="0" smtClean="0"/>
-              <a:t>Singleton</a:t>
-            </a:r>
-          </a:p>
-          <a:p>
-            <a:pPr lvl="1"/>
-            <a:r>
-              <a:rPr lang="en-US" dirty="0" smtClean="0"/>
-              <a:t>Scoped</a:t>
-            </a:r>
-          </a:p>
-        </p:txBody>
-      </p:sp>
-      <p:pic>
-        <p:nvPicPr>
-          <p:cNvPr id="4" name="Picture 3"/>
-          <p:cNvPicPr>
-            <a:picLocks noChangeAspect="1"/>
-          </p:cNvPicPr>
-          <p:nvPr/>
-        </p:nvPicPr>
-        <p:blipFill>
-          <a:blip r:embed="rId2"/>
-          <a:stretch>
-            <a:fillRect/>
-          </a:stretch>
-        </p:blipFill>
-        <p:spPr>
-          <a:xfrm>
-            <a:off x="443060" y="4191000"/>
-            <a:ext cx="8439150" cy="466725"/>
-          </a:xfrm>
-          <a:prstGeom prst="rect">
-            <a:avLst/>
-          </a:prstGeom>
-        </p:spPr>
-      </p:pic>
-    </p:spTree>
-    <p:extLst>
-      <p:ext uri="{BB962C8B-B14F-4D97-AF65-F5344CB8AC3E}">
-        <p14:creationId xmlns:p14="http://schemas.microsoft.com/office/powerpoint/2010/main" val="2802005366"/>
-      </p:ext>
-    </p:extLst>
-  </p:cSld>
-  <p:clrMapOvr>
-    <a:masterClrMapping/>
-  </p:clrMapOvr>
-  <p:transition>
-    <p:fade/>
-  </p:transition>
-  <p:timing>
-    <p:tnLst>
-      <p:par>
-        <p:cTn id="1" dur="indefinite" restart="never" nodeType="tmRoot"/>
-      </p:par>
-    </p:tnLst>
-  </p:timing>
-</p:sld>
-</file>
-
-<file path=ppt/slides/slide15.xml><?xml version="1.0" encoding="utf-8"?>
-<p:sld xmlns:a="http://schemas.openxmlformats.org/drawingml/2006/main" xmlns:r="http://schemas.openxmlformats.org/officeDocument/2006/relationships" xmlns:p="http://schemas.openxmlformats.org/presentationml/2006/main">
-  <p:cSld>
-    <p:spTree>
-      <p:nvGrpSpPr>
-        <p:cNvPr id="1" name=""/>
-        <p:cNvGrpSpPr/>
-        <p:nvPr/>
-      </p:nvGrpSpPr>
-      <p:grpSpPr>
-        <a:xfrm>
-          <a:off x="0" y="0"/>
-          <a:ext cx="0" cy="0"/>
-          <a:chOff x="0" y="0"/>
-          <a:chExt cx="0" cy="0"/>
-        </a:xfrm>
-      </p:grpSpPr>
-      <p:sp>
-        <p:nvSpPr>
-          <p:cNvPr id="2" name="Title 1"/>
-          <p:cNvSpPr>
-            <a:spLocks noGrp="1"/>
-          </p:cNvSpPr>
-          <p:nvPr>
-            <p:ph type="title"/>
-          </p:nvPr>
-        </p:nvSpPr>
-        <p:spPr/>
-        <p:txBody>
-          <a:bodyPr/>
-          <a:lstStyle/>
-          <a:p>
-            <a:r>
-              <a:rPr lang="en-US" dirty="0" smtClean="0"/>
-              <a:t>Summary</a:t>
-            </a:r>
-            <a:endParaRPr lang="en-US" dirty="0"/>
-          </a:p>
-        </p:txBody>
-      </p:sp>
-      <p:sp>
-        <p:nvSpPr>
-          <p:cNvPr id="3" name="Text Placeholder 2"/>
-          <p:cNvSpPr>
-            <a:spLocks noGrp="1"/>
-          </p:cNvSpPr>
-          <p:nvPr>
-            <p:ph type="body" idx="1"/>
-          </p:nvPr>
-        </p:nvSpPr>
-        <p:spPr/>
-        <p:txBody>
-          <a:bodyPr/>
-          <a:lstStyle/>
-          <a:p>
-            <a:r>
-              <a:rPr lang="en-US" dirty="0" smtClean="0"/>
-              <a:t>Configuration and DI work together</a:t>
-            </a:r>
-          </a:p>
-          <a:p>
-            <a:r>
-              <a:rPr lang="en-US" dirty="0" smtClean="0"/>
-              <a:t>Many options for flexibility and extensibility</a:t>
-            </a:r>
-          </a:p>
-          <a:p>
-            <a:endParaRPr lang="en-US" dirty="0"/>
-          </a:p>
-        </p:txBody>
-      </p:sp>
-      <p:pic>
-        <p:nvPicPr>
-          <p:cNvPr id="4" name="Picture 3"/>
-          <p:cNvPicPr>
-            <a:picLocks noChangeAspect="1"/>
-          </p:cNvPicPr>
-          <p:nvPr/>
-        </p:nvPicPr>
-        <p:blipFill>
-          <a:blip r:embed="rId2"/>
-          <a:stretch>
-            <a:fillRect/>
-          </a:stretch>
-        </p:blipFill>
-        <p:spPr>
-          <a:xfrm>
-            <a:off x="347662" y="2971800"/>
-            <a:ext cx="8448675" cy="1200150"/>
-          </a:xfrm>
-          <a:prstGeom prst="rect">
-            <a:avLst/>
-          </a:prstGeom>
-        </p:spPr>
-      </p:pic>
-    </p:spTree>
-    <p:extLst>
-      <p:ext uri="{BB962C8B-B14F-4D97-AF65-F5344CB8AC3E}">
-        <p14:creationId xmlns:p14="http://schemas.microsoft.com/office/powerpoint/2010/main" val="3798189858"/>
-      </p:ext>
-    </p:extLst>
-  </p:cSld>
-  <p:clrMapOvr>
-    <a:masterClrMapping/>
-  </p:clrMapOvr>
-  <p:transition>
-    <p:fade/>
-  </p:transition>
-  <p:timing>
-    <p:tnLst>
-      <p:par>
-        <p:cTn id="1" dur="indefinite" restart="never" nodeType="tmRoot"/>
-      </p:par>
-    </p:tnLst>
-  </p:timing>
-</p:sld>
-</file>
-
-<file path=ppt/slides/slide2.xml><?xml version="1.0" encoding="utf-8"?>
-<p:sld xmlns:a="http://schemas.openxmlformats.org/drawingml/2006/main" xmlns:r="http://schemas.openxmlformats.org/officeDocument/2006/relationships" xmlns:p="http://schemas.openxmlformats.org/presentationml/2006/main">
-  <p:cSld>
-    <p:spTree>
-      <p:nvGrpSpPr>
-        <p:cNvPr id="1" name=""/>
-        <p:cNvGrpSpPr/>
-        <p:nvPr/>
-      </p:nvGrpSpPr>
-      <p:grpSpPr>
-        <a:xfrm>
-          <a:off x="0" y="0"/>
-          <a:ext cx="0" cy="0"/>
-          <a:chOff x="0" y="0"/>
-          <a:chExt cx="0" cy="0"/>
-        </a:xfrm>
-      </p:grpSpPr>
-      <p:sp>
-        <p:nvSpPr>
-          <p:cNvPr id="2" name="Title 1"/>
-          <p:cNvSpPr>
-            <a:spLocks noGrp="1"/>
-          </p:cNvSpPr>
-          <p:nvPr>
-            <p:ph type="title"/>
-          </p:nvPr>
-        </p:nvSpPr>
-        <p:spPr/>
-        <p:txBody>
-          <a:bodyPr/>
-          <a:lstStyle/>
-          <a:p>
-            <a:r>
-              <a:rPr lang="en-US" dirty="0" err="1"/>
-              <a:t>g</a:t>
-            </a:r>
-            <a:r>
-              <a:rPr lang="en-US" dirty="0" err="1" smtClean="0"/>
-              <a:t>lobal.json</a:t>
-            </a:r>
-            <a:endParaRPr lang="en-US" dirty="0"/>
-          </a:p>
-        </p:txBody>
-      </p:sp>
-      <p:sp>
-        <p:nvSpPr>
-          <p:cNvPr id="3" name="Text Placeholder 2"/>
-          <p:cNvSpPr>
-            <a:spLocks noGrp="1"/>
-          </p:cNvSpPr>
-          <p:nvPr>
-            <p:ph type="body" idx="1"/>
-          </p:nvPr>
-        </p:nvSpPr>
-        <p:spPr/>
-        <p:txBody>
-          <a:bodyPr/>
-          <a:lstStyle/>
-          <a:p>
-            <a:r>
-              <a:rPr lang="en-US" dirty="0" smtClean="0"/>
-              <a:t>Projects indicates which folders have source code</a:t>
-            </a:r>
-          </a:p>
-          <a:p>
-            <a:r>
-              <a:rPr lang="en-US" dirty="0" smtClean="0"/>
-              <a:t>Control DNX version used by VS</a:t>
-            </a:r>
-          </a:p>
-          <a:p>
-            <a:r>
-              <a:rPr lang="en-US" dirty="0" smtClean="0"/>
-              <a:t>Add sources for debugging!</a:t>
-            </a:r>
-            <a:endParaRPr lang="en-US" dirty="0"/>
-          </a:p>
-        </p:txBody>
-      </p:sp>
-      <p:pic>
-        <p:nvPicPr>
-          <p:cNvPr id="4" name="Picture 3"/>
-          <p:cNvPicPr>
-            <a:picLocks noChangeAspect="1"/>
-          </p:cNvPicPr>
-          <p:nvPr/>
-        </p:nvPicPr>
-        <p:blipFill>
-          <a:blip r:embed="rId2"/>
-          <a:stretch>
-            <a:fillRect/>
-          </a:stretch>
-        </p:blipFill>
-        <p:spPr>
-          <a:xfrm>
-            <a:off x="1295400" y="3200400"/>
-            <a:ext cx="6613890" cy="1219200"/>
-          </a:xfrm>
-          <a:prstGeom prst="rect">
-            <a:avLst/>
-          </a:prstGeom>
-        </p:spPr>
-      </p:pic>
-    </p:spTree>
-    <p:extLst>
-      <p:ext uri="{BB962C8B-B14F-4D97-AF65-F5344CB8AC3E}">
-        <p14:creationId xmlns:p14="http://schemas.microsoft.com/office/powerpoint/2010/main" val="2626361664"/>
-      </p:ext>
-    </p:extLst>
-  </p:cSld>
-  <p:clrMapOvr>
-    <a:masterClrMapping/>
-  </p:clrMapOvr>
-  <p:transition>
-    <p:fade/>
-  </p:transition>
-  <p:timing>
-    <p:tnLst>
-      <p:par>
-        <p:cTn id="1" dur="indefinite" restart="never" nodeType="tmRoot"/>
-      </p:par>
-    </p:tnLst>
-  </p:timing>
-</p:sld>
-</file>
-
-<file path=ppt/slides/slide3.xml><?xml version="1.0" encoding="utf-8"?>
-<p:sld xmlns:a="http://schemas.openxmlformats.org/drawingml/2006/main" xmlns:r="http://schemas.openxmlformats.org/officeDocument/2006/relationships" xmlns:p="http://schemas.openxmlformats.org/presentationml/2006/main">
-  <p:cSld>
-    <p:spTree>
-      <p:nvGrpSpPr>
-        <p:cNvPr id="1" name=""/>
-        <p:cNvGrpSpPr/>
-        <p:nvPr/>
-      </p:nvGrpSpPr>
-      <p:grpSpPr>
-        <a:xfrm>
-          <a:off x="0" y="0"/>
-          <a:ext cx="0" cy="0"/>
-          <a:chOff x="0" y="0"/>
-          <a:chExt cx="0" cy="0"/>
-        </a:xfrm>
-      </p:grpSpPr>
-      <p:sp>
-        <p:nvSpPr>
-          <p:cNvPr id="2" name="Title 1"/>
-          <p:cNvSpPr>
-            <a:spLocks noGrp="1"/>
-          </p:cNvSpPr>
-          <p:nvPr>
-            <p:ph type="title"/>
-          </p:nvPr>
-        </p:nvSpPr>
-        <p:spPr/>
-        <p:txBody>
-          <a:bodyPr/>
-          <a:lstStyle/>
-          <a:p>
-            <a:r>
-              <a:rPr lang="en-US" dirty="0" err="1"/>
-              <a:t>p</a:t>
-            </a:r>
-            <a:r>
-              <a:rPr lang="en-US" dirty="0" err="1" smtClean="0"/>
-              <a:t>roject.json</a:t>
-            </a:r>
-            <a:endParaRPr lang="en-US" dirty="0"/>
-          </a:p>
-        </p:txBody>
-      </p:sp>
-      <p:sp>
-        <p:nvSpPr>
-          <p:cNvPr id="3" name="Text Placeholder 2"/>
-          <p:cNvSpPr>
-            <a:spLocks noGrp="1"/>
-          </p:cNvSpPr>
-          <p:nvPr>
-            <p:ph type="body" idx="1"/>
-          </p:nvPr>
-        </p:nvSpPr>
-        <p:spPr/>
-        <p:txBody>
-          <a:bodyPr/>
-          <a:lstStyle/>
-          <a:p>
-            <a:r>
-              <a:rPr lang="en-US" dirty="0" smtClean="0"/>
-              <a:t>Dependencies</a:t>
-            </a:r>
-          </a:p>
-          <a:p>
-            <a:r>
-              <a:rPr lang="en-US" dirty="0" smtClean="0"/>
-              <a:t>Supported runtimes</a:t>
-            </a:r>
-          </a:p>
-          <a:p>
-            <a:r>
-              <a:rPr lang="en-US" dirty="0" smtClean="0"/>
-              <a:t>Commands</a:t>
-            </a:r>
-          </a:p>
-          <a:p>
-            <a:r>
-              <a:rPr lang="en-US" dirty="0" smtClean="0"/>
-              <a:t>Publishing information</a:t>
-            </a:r>
-          </a:p>
-          <a:p>
-            <a:r>
-              <a:rPr lang="en-US" dirty="0" smtClean="0"/>
-              <a:t>Scripts</a:t>
-            </a:r>
-            <a:endParaRPr lang="en-US" dirty="0"/>
-          </a:p>
-        </p:txBody>
-      </p:sp>
-      <p:pic>
-        <p:nvPicPr>
-          <p:cNvPr id="5" name="Picture 4"/>
-          <p:cNvPicPr>
-            <a:picLocks noChangeAspect="1"/>
-          </p:cNvPicPr>
-          <p:nvPr/>
-        </p:nvPicPr>
-        <p:blipFill>
-          <a:blip r:embed="rId2"/>
-          <a:stretch>
-            <a:fillRect/>
-          </a:stretch>
-        </p:blipFill>
-        <p:spPr>
-          <a:xfrm>
-            <a:off x="2709322" y="3124200"/>
-            <a:ext cx="5953125" cy="3009900"/>
-          </a:xfrm>
-          <a:prstGeom prst="rect">
-            <a:avLst/>
-          </a:prstGeom>
-        </p:spPr>
-      </p:pic>
-    </p:spTree>
-    <p:extLst>
-      <p:ext uri="{BB962C8B-B14F-4D97-AF65-F5344CB8AC3E}">
-        <p14:creationId xmlns:p14="http://schemas.microsoft.com/office/powerpoint/2010/main" val="4167387437"/>
-      </p:ext>
-    </p:extLst>
-  </p:cSld>
-  <p:clrMapOvr>
-    <a:masterClrMapping/>
-  </p:clrMapOvr>
-  <p:transition>
-    <p:fade/>
-  </p:transition>
-  <p:timing>
-    <p:tnLst>
-      <p:par>
-        <p:cTn id="1" dur="indefinite" restart="never" nodeType="tmRoot"/>
-      </p:par>
-    </p:tnLst>
-  </p:timing>
-</p:sld>
-</file>
-
-<file path=ppt/slides/slide4.xml><?xml version="1.0" encoding="utf-8"?>
-<p:sld xmlns:a="http://schemas.openxmlformats.org/drawingml/2006/main" xmlns:r="http://schemas.openxmlformats.org/officeDocument/2006/relationships" xmlns:p="http://schemas.openxmlformats.org/presentationml/2006/main">
-  <p:cSld>
-    <p:spTree>
-      <p:nvGrpSpPr>
-        <p:cNvPr id="1" name=""/>
-        <p:cNvGrpSpPr/>
-        <p:nvPr/>
-      </p:nvGrpSpPr>
-      <p:grpSpPr>
-        <a:xfrm>
-          <a:off x="0" y="0"/>
-          <a:ext cx="0" cy="0"/>
-          <a:chOff x="0" y="0"/>
-          <a:chExt cx="0" cy="0"/>
-        </a:xfrm>
-      </p:grpSpPr>
-      <p:sp>
-        <p:nvSpPr>
-          <p:cNvPr id="2" name="Title 1"/>
-          <p:cNvSpPr>
-            <a:spLocks noGrp="1"/>
-          </p:cNvSpPr>
-          <p:nvPr>
-            <p:ph type="title"/>
-          </p:nvPr>
-        </p:nvSpPr>
-        <p:spPr/>
-        <p:txBody>
-          <a:bodyPr/>
-          <a:lstStyle/>
-          <a:p>
-            <a:r>
-              <a:rPr lang="en-US" dirty="0" smtClean="0"/>
-              <a:t>Dependencies</a:t>
-            </a:r>
-            <a:endParaRPr lang="en-US" dirty="0"/>
-          </a:p>
-        </p:txBody>
-      </p:sp>
-      <p:sp>
-        <p:nvSpPr>
-          <p:cNvPr id="3" name="Text Placeholder 2"/>
-          <p:cNvSpPr>
-            <a:spLocks noGrp="1"/>
-          </p:cNvSpPr>
-          <p:nvPr>
-            <p:ph type="body" idx="1"/>
-          </p:nvPr>
-        </p:nvSpPr>
-        <p:spPr/>
-        <p:txBody>
-          <a:bodyPr/>
-          <a:lstStyle/>
-          <a:p>
-            <a:r>
-              <a:rPr lang="en-US" dirty="0" smtClean="0"/>
-              <a:t>Can allow versions to float</a:t>
-            </a:r>
-          </a:p>
-          <a:p>
-            <a:r>
-              <a:rPr lang="en-US" dirty="0" smtClean="0"/>
-              <a:t>Only top level dependencies required</a:t>
-            </a:r>
-          </a:p>
-          <a:p>
-            <a:r>
-              <a:rPr lang="en-US" dirty="0" smtClean="0"/>
-              <a:t>Lock file can override dependency resolution</a:t>
-            </a:r>
-            <a:endParaRPr lang="en-US" dirty="0"/>
-          </a:p>
-        </p:txBody>
-      </p:sp>
-      <p:pic>
-        <p:nvPicPr>
-          <p:cNvPr id="4" name="Picture 3"/>
-          <p:cNvPicPr>
-            <a:picLocks noChangeAspect="1"/>
-          </p:cNvPicPr>
-          <p:nvPr/>
-        </p:nvPicPr>
-        <p:blipFill>
-          <a:blip r:embed="rId2"/>
-          <a:stretch>
-            <a:fillRect/>
-          </a:stretch>
-        </p:blipFill>
-        <p:spPr>
-          <a:xfrm>
-            <a:off x="1671637" y="3048000"/>
-            <a:ext cx="5800725" cy="2305050"/>
-          </a:xfrm>
-          <a:prstGeom prst="rect">
-            <a:avLst/>
-          </a:prstGeom>
-        </p:spPr>
-      </p:pic>
-    </p:spTree>
-    <p:extLst>
-      <p:ext uri="{BB962C8B-B14F-4D97-AF65-F5344CB8AC3E}">
-        <p14:creationId xmlns:p14="http://schemas.microsoft.com/office/powerpoint/2010/main" val="2214970751"/>
-      </p:ext>
-    </p:extLst>
-  </p:cSld>
-  <p:clrMapOvr>
-    <a:masterClrMapping/>
-  </p:clrMapOvr>
-  <p:transition>
-    <p:fade/>
-  </p:transition>
-  <p:timing>
-    <p:tnLst>
-      <p:par>
-        <p:cTn id="1" dur="indefinite" restart="never" nodeType="tmRoot"/>
-      </p:par>
-    </p:tnLst>
-  </p:timing>
-</p:sld>
-</file>
-
-<file path=ppt/slides/slide5.xml><?xml version="1.0" encoding="utf-8"?>
-<p:sld xmlns:a="http://schemas.openxmlformats.org/drawingml/2006/main" xmlns:r="http://schemas.openxmlformats.org/officeDocument/2006/relationships" xmlns:p="http://schemas.openxmlformats.org/presentationml/2006/main">
-  <p:cSld>
-    <p:spTree>
-      <p:nvGrpSpPr>
-        <p:cNvPr id="1" name=""/>
-        <p:cNvGrpSpPr/>
-        <p:nvPr/>
-      </p:nvGrpSpPr>
-      <p:grpSpPr>
-        <a:xfrm>
-          <a:off x="0" y="0"/>
-          <a:ext cx="0" cy="0"/>
-          <a:chOff x="0" y="0"/>
-          <a:chExt cx="0" cy="0"/>
-        </a:xfrm>
-      </p:grpSpPr>
-      <p:sp>
-        <p:nvSpPr>
-          <p:cNvPr id="2" name="Title 1"/>
-          <p:cNvSpPr>
-            <a:spLocks noGrp="1"/>
-          </p:cNvSpPr>
-          <p:nvPr>
-            <p:ph type="title"/>
-          </p:nvPr>
-        </p:nvSpPr>
-        <p:spPr/>
-        <p:txBody>
-          <a:bodyPr/>
-          <a:lstStyle/>
-          <a:p>
-            <a:r>
-              <a:rPr lang="en-US" dirty="0" smtClean="0"/>
-              <a:t>Commands</a:t>
-            </a:r>
-            <a:endParaRPr lang="en-US" dirty="0"/>
-          </a:p>
-        </p:txBody>
-      </p:sp>
-      <p:sp>
-        <p:nvSpPr>
-          <p:cNvPr id="3" name="Text Placeholder 2"/>
-          <p:cNvSpPr>
-            <a:spLocks noGrp="1"/>
-          </p:cNvSpPr>
-          <p:nvPr>
-            <p:ph type="body" idx="1"/>
-          </p:nvPr>
-        </p:nvSpPr>
-        <p:spPr/>
-        <p:txBody>
-          <a:bodyPr/>
-          <a:lstStyle/>
-          <a:p>
-            <a:r>
-              <a:rPr lang="en-US" dirty="0" smtClean="0"/>
-              <a:t>Defines entry points for DNX</a:t>
-            </a:r>
-            <a:endParaRPr lang="en-US" dirty="0"/>
-          </a:p>
-        </p:txBody>
-      </p:sp>
-      <p:pic>
-        <p:nvPicPr>
-          <p:cNvPr id="4" name="Picture 3"/>
-          <p:cNvPicPr>
-            <a:picLocks noChangeAspect="1"/>
-          </p:cNvPicPr>
-          <p:nvPr/>
-        </p:nvPicPr>
-        <p:blipFill>
-          <a:blip r:embed="rId2"/>
-          <a:stretch>
-            <a:fillRect/>
-          </a:stretch>
-        </p:blipFill>
-        <p:spPr>
-          <a:xfrm>
-            <a:off x="1343025" y="2914650"/>
-            <a:ext cx="6457950" cy="1028700"/>
-          </a:xfrm>
-          <a:prstGeom prst="rect">
-            <a:avLst/>
-          </a:prstGeom>
-        </p:spPr>
-      </p:pic>
-    </p:spTree>
-    <p:extLst>
-      <p:ext uri="{BB962C8B-B14F-4D97-AF65-F5344CB8AC3E}">
-        <p14:creationId xmlns:p14="http://schemas.microsoft.com/office/powerpoint/2010/main" val="3226951100"/>
-      </p:ext>
-    </p:extLst>
-  </p:cSld>
-  <p:clrMapOvr>
-    <a:masterClrMapping/>
-  </p:clrMapOvr>
-  <p:transition>
-    <p:fade/>
-  </p:transition>
-  <p:timing>
-    <p:tnLst>
-      <p:par>
-        <p:cTn id="1" dur="indefinite" restart="never" nodeType="tmRoot"/>
-      </p:par>
-    </p:tnLst>
-  </p:timing>
-</p:sld>
-</file>
-
-<file path=ppt/slides/slide6.xml><?xml version="1.0" encoding="utf-8"?>
-<p:sld xmlns:a="http://schemas.openxmlformats.org/drawingml/2006/main" xmlns:r="http://schemas.openxmlformats.org/officeDocument/2006/relationships" xmlns:p="http://schemas.openxmlformats.org/presentationml/2006/main">
-  <p:cSld>
-    <p:spTree>
-      <p:nvGrpSpPr>
-        <p:cNvPr id="1" name=""/>
-        <p:cNvGrpSpPr/>
-        <p:nvPr/>
-      </p:nvGrpSpPr>
-      <p:grpSpPr>
-        <a:xfrm>
-          <a:off x="0" y="0"/>
-          <a:ext cx="0" cy="0"/>
-          <a:chOff x="0" y="0"/>
-          <a:chExt cx="0" cy="0"/>
-        </a:xfrm>
-      </p:grpSpPr>
-      <p:sp>
-        <p:nvSpPr>
-          <p:cNvPr id="2" name="Title 1"/>
-          <p:cNvSpPr>
-            <a:spLocks noGrp="1"/>
-          </p:cNvSpPr>
-          <p:nvPr>
-            <p:ph type="title"/>
-          </p:nvPr>
-        </p:nvSpPr>
-        <p:spPr/>
-        <p:txBody>
-          <a:bodyPr/>
-          <a:lstStyle/>
-          <a:p>
-            <a:r>
-              <a:rPr lang="en-US" dirty="0" smtClean="0"/>
-              <a:t>Runtime Configuration</a:t>
-            </a:r>
-            <a:endParaRPr lang="en-US" dirty="0"/>
-          </a:p>
-        </p:txBody>
-      </p:sp>
-      <p:sp>
-        <p:nvSpPr>
-          <p:cNvPr id="3" name="Text Placeholder 2"/>
-          <p:cNvSpPr>
-            <a:spLocks noGrp="1"/>
-          </p:cNvSpPr>
-          <p:nvPr>
-            <p:ph type="body" idx="1"/>
-          </p:nvPr>
-        </p:nvSpPr>
-        <p:spPr/>
-        <p:txBody>
-          <a:bodyPr/>
-          <a:lstStyle/>
-          <a:p>
-            <a:r>
-              <a:rPr lang="en-US" dirty="0" smtClean="0"/>
-              <a:t>Instantiate Configuration class in Startup</a:t>
-            </a:r>
-          </a:p>
-          <a:p>
-            <a:r>
-              <a:rPr lang="en-US" dirty="0" smtClean="0"/>
-              <a:t>Add sources via extension methods</a:t>
-            </a:r>
-          </a:p>
-          <a:p>
-            <a:pPr lvl="1"/>
-            <a:r>
-              <a:rPr lang="en-US" dirty="0" smtClean="0"/>
-              <a:t>JSON</a:t>
-            </a:r>
-          </a:p>
-          <a:p>
-            <a:pPr lvl="1"/>
-            <a:r>
-              <a:rPr lang="en-US" dirty="0" smtClean="0"/>
-              <a:t>INI</a:t>
-            </a:r>
-          </a:p>
-          <a:p>
-            <a:pPr lvl="1"/>
-            <a:r>
-              <a:rPr lang="en-US" dirty="0" smtClean="0"/>
-              <a:t>Environment variables</a:t>
-            </a:r>
-          </a:p>
-          <a:p>
-            <a:pPr lvl="1"/>
-            <a:r>
-              <a:rPr lang="en-US" dirty="0" smtClean="0"/>
-              <a:t>XML</a:t>
-            </a:r>
-          </a:p>
-          <a:p>
-            <a:pPr lvl="1"/>
-            <a:r>
-              <a:rPr lang="en-US" dirty="0" smtClean="0"/>
-              <a:t>Command line</a:t>
-            </a:r>
-          </a:p>
-          <a:p>
-            <a:pPr lvl="1"/>
-            <a:endParaRPr lang="en-US" dirty="0" smtClean="0"/>
-          </a:p>
-          <a:p>
-            <a:endParaRPr lang="en-US" dirty="0"/>
-          </a:p>
-        </p:txBody>
-      </p:sp>
-      <p:pic>
-        <p:nvPicPr>
-          <p:cNvPr id="4" name="Picture 3"/>
-          <p:cNvPicPr>
-            <a:picLocks noChangeAspect="1"/>
-          </p:cNvPicPr>
-          <p:nvPr/>
-        </p:nvPicPr>
-        <p:blipFill>
-          <a:blip r:embed="rId2"/>
-          <a:stretch>
-            <a:fillRect/>
-          </a:stretch>
-        </p:blipFill>
-        <p:spPr>
-          <a:xfrm>
-            <a:off x="2209800" y="4114800"/>
-            <a:ext cx="4876800" cy="1009650"/>
-          </a:xfrm>
-          <a:prstGeom prst="rect">
-            <a:avLst/>
-          </a:prstGeom>
-        </p:spPr>
-      </p:pic>
-    </p:spTree>
-    <p:extLst>
-      <p:ext uri="{BB962C8B-B14F-4D97-AF65-F5344CB8AC3E}">
-        <p14:creationId xmlns:p14="http://schemas.microsoft.com/office/powerpoint/2010/main" val="3033191651"/>
-      </p:ext>
-    </p:extLst>
-  </p:cSld>
-  <p:clrMapOvr>
-    <a:masterClrMapping/>
-  </p:clrMapOvr>
-  <p:transition>
-    <p:fade/>
-  </p:transition>
-  <p:timing>
-    <p:tnLst>
-      <p:par>
-        <p:cTn id="1" dur="indefinite" restart="never" nodeType="tmRoot"/>
-      </p:par>
-    </p:tnLst>
-  </p:timing>
-</p:sld>
-</file>
-
-<file path=ppt/slides/slide7.xml><?xml version="1.0" encoding="utf-8"?>
-<p:sld xmlns:a="http://schemas.openxmlformats.org/drawingml/2006/main" xmlns:r="http://schemas.openxmlformats.org/officeDocument/2006/relationships" xmlns:p="http://schemas.openxmlformats.org/presentationml/2006/main">
-  <p:cSld>
-    <p:spTree>
-      <p:nvGrpSpPr>
-        <p:cNvPr id="1" name=""/>
-        <p:cNvGrpSpPr/>
-        <p:nvPr/>
-      </p:nvGrpSpPr>
-      <p:grpSpPr>
-        <a:xfrm>
-          <a:off x="0" y="0"/>
-          <a:ext cx="0" cy="0"/>
-          <a:chOff x="0" y="0"/>
-          <a:chExt cx="0" cy="0"/>
-        </a:xfrm>
-      </p:grpSpPr>
-      <p:sp>
-        <p:nvSpPr>
-          <p:cNvPr id="2" name="Title 1"/>
-          <p:cNvSpPr>
-            <a:spLocks noGrp="1"/>
-          </p:cNvSpPr>
-          <p:nvPr>
-            <p:ph type="title"/>
-          </p:nvPr>
-        </p:nvSpPr>
-        <p:spPr/>
-        <p:txBody>
-          <a:bodyPr/>
-          <a:lstStyle/>
-          <a:p>
-            <a:r>
-              <a:rPr lang="en-US" dirty="0" smtClean="0"/>
-              <a:t>Configuration Is Key =&gt; Value</a:t>
-            </a:r>
-            <a:endParaRPr lang="en-US" dirty="0"/>
-          </a:p>
-        </p:txBody>
-      </p:sp>
-      <p:sp>
-        <p:nvSpPr>
-          <p:cNvPr id="3" name="Text Placeholder 2"/>
-          <p:cNvSpPr>
-            <a:spLocks noGrp="1"/>
-          </p:cNvSpPr>
-          <p:nvPr>
-            <p:ph type="body" idx="1"/>
-          </p:nvPr>
-        </p:nvSpPr>
-        <p:spPr/>
-        <p:txBody>
-          <a:bodyPr/>
-          <a:lstStyle/>
-          <a:p>
-            <a:r>
-              <a:rPr lang="en-US" dirty="0" smtClean="0"/>
-              <a:t>Drill into hierarchy using :</a:t>
-            </a:r>
-            <a:endParaRPr lang="en-US" dirty="0"/>
-          </a:p>
-        </p:txBody>
-      </p:sp>
-      <p:pic>
-        <p:nvPicPr>
-          <p:cNvPr id="4" name="Picture 3"/>
-          <p:cNvPicPr>
-            <a:picLocks noChangeAspect="1"/>
-          </p:cNvPicPr>
-          <p:nvPr/>
-        </p:nvPicPr>
-        <p:blipFill>
-          <a:blip r:embed="rId2"/>
-          <a:stretch>
-            <a:fillRect/>
-          </a:stretch>
-        </p:blipFill>
-        <p:spPr>
-          <a:xfrm>
-            <a:off x="1600200" y="3067050"/>
-            <a:ext cx="5943600" cy="723900"/>
-          </a:xfrm>
-          <a:prstGeom prst="rect">
-            <a:avLst/>
-          </a:prstGeom>
-        </p:spPr>
-      </p:pic>
-    </p:spTree>
-    <p:extLst>
-      <p:ext uri="{BB962C8B-B14F-4D97-AF65-F5344CB8AC3E}">
-        <p14:creationId xmlns:p14="http://schemas.microsoft.com/office/powerpoint/2010/main" val="1150146007"/>
-      </p:ext>
-    </p:extLst>
-  </p:cSld>
-  <p:clrMapOvr>
-    <a:masterClrMapping/>
-  </p:clrMapOvr>
-  <p:transition>
-    <p:fade/>
-  </p:transition>
-  <p:timing>
-    <p:tnLst>
-      <p:par>
-        <p:cTn id="1" dur="indefinite" restart="never" nodeType="tmRoot"/>
-      </p:par>
-    </p:tnLst>
-  </p:timing>
-</p:sld>
-</file>
-
-<file path=ppt/slides/slide8.xml><?xml version="1.0" encoding="utf-8"?>
-<p:sld xmlns:a="http://schemas.openxmlformats.org/drawingml/2006/main" xmlns:r="http://schemas.openxmlformats.org/officeDocument/2006/relationships" xmlns:p="http://schemas.openxmlformats.org/presentationml/2006/main">
-  <p:cSld>
-    <p:spTree>
-      <p:nvGrpSpPr>
-        <p:cNvPr id="1" name=""/>
-        <p:cNvGrpSpPr/>
-        <p:nvPr/>
-      </p:nvGrpSpPr>
-      <p:grpSpPr>
-        <a:xfrm>
-          <a:off x="0" y="0"/>
-          <a:ext cx="0" cy="0"/>
-          <a:chOff x="0" y="0"/>
-          <a:chExt cx="0" cy="0"/>
-        </a:xfrm>
-      </p:grpSpPr>
-      <p:sp>
-        <p:nvSpPr>
-          <p:cNvPr id="2" name="Title 1"/>
-          <p:cNvSpPr>
-            <a:spLocks noGrp="1"/>
-          </p:cNvSpPr>
-          <p:nvPr>
-            <p:ph type="title"/>
-          </p:nvPr>
-        </p:nvSpPr>
-        <p:spPr/>
-        <p:txBody>
-          <a:bodyPr/>
-          <a:lstStyle/>
-          <a:p>
-            <a:r>
-              <a:rPr lang="en-US" dirty="0" smtClean="0"/>
-              <a:t>Configuration Sources Override</a:t>
-            </a:r>
-            <a:endParaRPr lang="en-US" dirty="0"/>
-          </a:p>
-        </p:txBody>
-      </p:sp>
-      <p:sp>
-        <p:nvSpPr>
-          <p:cNvPr id="3" name="Text Placeholder 2"/>
-          <p:cNvSpPr>
-            <a:spLocks noGrp="1"/>
-          </p:cNvSpPr>
-          <p:nvPr>
-            <p:ph type="body" idx="1"/>
-          </p:nvPr>
-        </p:nvSpPr>
-        <p:spPr/>
-        <p:txBody>
-          <a:bodyPr/>
-          <a:lstStyle/>
-          <a:p>
-            <a:r>
-              <a:rPr lang="en-US" dirty="0" smtClean="0"/>
-              <a:t>Last entry wins</a:t>
-            </a:r>
-            <a:endParaRPr lang="en-US" dirty="0"/>
-          </a:p>
-        </p:txBody>
-      </p:sp>
-      <p:pic>
-        <p:nvPicPr>
-          <p:cNvPr id="4" name="Picture 3"/>
-          <p:cNvPicPr>
-            <a:picLocks noChangeAspect="1"/>
-          </p:cNvPicPr>
-          <p:nvPr/>
-        </p:nvPicPr>
-        <p:blipFill>
-          <a:blip r:embed="rId2"/>
-          <a:stretch>
-            <a:fillRect/>
-          </a:stretch>
-        </p:blipFill>
-        <p:spPr>
-          <a:xfrm>
-            <a:off x="2005012" y="2781300"/>
-            <a:ext cx="5133975" cy="1295400"/>
-          </a:xfrm>
-          <a:prstGeom prst="rect">
-            <a:avLst/>
-          </a:prstGeom>
-        </p:spPr>
-      </p:pic>
-    </p:spTree>
-    <p:extLst>
-      <p:ext uri="{BB962C8B-B14F-4D97-AF65-F5344CB8AC3E}">
-        <p14:creationId xmlns:p14="http://schemas.microsoft.com/office/powerpoint/2010/main" val="1223731185"/>
-      </p:ext>
-    </p:extLst>
-  </p:cSld>
-  <p:clrMapOvr>
-    <a:masterClrMapping/>
-  </p:clrMapOvr>
-  <p:transition>
-    <p:fade/>
-  </p:transition>
-  <p:timing>
-    <p:tnLst>
-      <p:par>
-        <p:cTn id="1" dur="indefinite" restart="never" nodeType="tmRoot"/>
-      </p:par>
-    </p:tnLst>
-  </p:timing>
-</p:sld>
-</file>
-
-<file path=ppt/slides/slide9.xml><?xml version="1.0" encoding="utf-8"?>
-<p:sld xmlns:a="http://schemas.openxmlformats.org/drawingml/2006/main" xmlns:r="http://schemas.openxmlformats.org/officeDocument/2006/relationships" xmlns:p="http://schemas.openxmlformats.org/presentationml/2006/main">
-  <p:cSld>
-    <p:spTree>
-      <p:nvGrpSpPr>
-        <p:cNvPr id="1" name=""/>
-        <p:cNvGrpSpPr/>
-        <p:nvPr/>
-      </p:nvGrpSpPr>
-      <p:grpSpPr>
-        <a:xfrm>
-          <a:off x="0" y="0"/>
-          <a:ext cx="0" cy="0"/>
-          <a:chOff x="0" y="0"/>
-          <a:chExt cx="0" cy="0"/>
-        </a:xfrm>
-      </p:grpSpPr>
-      <p:sp>
-        <p:nvSpPr>
-          <p:cNvPr id="2" name="Title 1"/>
-          <p:cNvSpPr>
-            <a:spLocks noGrp="1"/>
-          </p:cNvSpPr>
-          <p:nvPr>
-            <p:ph type="title"/>
-          </p:nvPr>
-        </p:nvSpPr>
-        <p:spPr/>
-        <p:txBody>
-          <a:bodyPr/>
-          <a:lstStyle/>
-          <a:p>
-            <a:r>
-              <a:rPr lang="en-US" dirty="0" smtClean="0"/>
-              <a:t>Using the Environment</a:t>
-            </a:r>
-            <a:endParaRPr lang="en-US" dirty="0"/>
-          </a:p>
-        </p:txBody>
-      </p:sp>
-      <p:sp>
-        <p:nvSpPr>
-          <p:cNvPr id="3" name="Text Placeholder 2"/>
-          <p:cNvSpPr>
-            <a:spLocks noGrp="1"/>
-          </p:cNvSpPr>
-          <p:nvPr>
-            <p:ph type="body" idx="1"/>
-          </p:nvPr>
-        </p:nvSpPr>
-        <p:spPr/>
-        <p:txBody>
-          <a:bodyPr/>
-          <a:lstStyle/>
-          <a:p>
-            <a:r>
-              <a:rPr lang="en-US" dirty="0" smtClean="0"/>
-              <a:t>Add files with names corresponding to environment</a:t>
-            </a:r>
-            <a:endParaRPr lang="en-US" dirty="0"/>
-          </a:p>
-        </p:txBody>
-      </p:sp>
-      <p:pic>
-        <p:nvPicPr>
-          <p:cNvPr id="4" name="Picture 3"/>
-          <p:cNvPicPr>
-            <a:picLocks noChangeAspect="1"/>
-          </p:cNvPicPr>
-          <p:nvPr/>
-        </p:nvPicPr>
-        <p:blipFill>
-          <a:blip r:embed="rId2"/>
-          <a:stretch>
-            <a:fillRect/>
-          </a:stretch>
-        </p:blipFill>
-        <p:spPr>
-          <a:xfrm>
-            <a:off x="642937" y="3810000"/>
-            <a:ext cx="7858125" cy="1085850"/>
-          </a:xfrm>
-          <a:prstGeom prst="rect">
-            <a:avLst/>
-          </a:prstGeom>
-        </p:spPr>
-      </p:pic>
-    </p:spTree>
-    <p:extLst>
-      <p:ext uri="{BB962C8B-B14F-4D97-AF65-F5344CB8AC3E}">
-        <p14:creationId xmlns:p14="http://schemas.microsoft.com/office/powerpoint/2010/main" val="919092097"/>
-      </p:ext>
-    </p:extLst>
-  </p:cSld>
-  <p:clrMapOvr>
-    <a:masterClrMapping/>
-  </p:clrMapOvr>
-  <p:transition>
-    <p:fade/>
-  </p:transition>
-  <p:timing>
-    <p:tnLst>
-      <p:par>
-        <p:cTn id="1" dur="indefinite" restart="never" nodeType="tmRoot"/>
-      </p:par>
-    </p:tnLst>
-  </p:timing>
 </p:sld>
 </file>
 

--- a/aspnet5/slides/03_Config_Services.pptx
+++ b/aspnet5/slides/03_Config_Services.pptx
@@ -5,25 +5,24 @@
     <p:sldMasterId id="2147483772" r:id="rId1"/>
   </p:sldMasterIdLst>
   <p:notesMasterIdLst>
-    <p:notesMasterId r:id="rId15"/>
+    <p:notesMasterId r:id="rId14"/>
   </p:notesMasterIdLst>
   <p:handoutMasterIdLst>
-    <p:handoutMasterId r:id="rId16"/>
+    <p:handoutMasterId r:id="rId15"/>
   </p:handoutMasterIdLst>
   <p:sldIdLst>
     <p:sldId id="327" r:id="rId2"/>
-    <p:sldId id="328" r:id="rId3"/>
-    <p:sldId id="330" r:id="rId4"/>
-    <p:sldId id="332" r:id="rId5"/>
-    <p:sldId id="333" r:id="rId6"/>
-    <p:sldId id="334" r:id="rId7"/>
-    <p:sldId id="335" r:id="rId8"/>
-    <p:sldId id="340" r:id="rId9"/>
-    <p:sldId id="336" r:id="rId10"/>
-    <p:sldId id="337" r:id="rId11"/>
-    <p:sldId id="338" r:id="rId12"/>
-    <p:sldId id="339" r:id="rId13"/>
-    <p:sldId id="341" r:id="rId14"/>
+    <p:sldId id="330" r:id="rId3"/>
+    <p:sldId id="332" r:id="rId4"/>
+    <p:sldId id="333" r:id="rId5"/>
+    <p:sldId id="334" r:id="rId6"/>
+    <p:sldId id="335" r:id="rId7"/>
+    <p:sldId id="340" r:id="rId8"/>
+    <p:sldId id="336" r:id="rId9"/>
+    <p:sldId id="337" r:id="rId10"/>
+    <p:sldId id="338" r:id="rId11"/>
+    <p:sldId id="339" r:id="rId12"/>
+    <p:sldId id="341" r:id="rId13"/>
   </p:sldIdLst>
   <p:sldSz cx="9144000" cy="6858000" type="screen4x3"/>
   <p:notesSz cx="7302500" cy="9588500"/>
@@ -158,7 +157,6 @@
         <p14:section name="Default Section" id="{1FAFB904-873B-4B5C-A5B3-7BBCB9659514}">
           <p14:sldIdLst>
             <p14:sldId id="327"/>
-            <p14:sldId id="328"/>
             <p14:sldId id="330"/>
             <p14:sldId id="332"/>
             <p14:sldId id="333"/>
@@ -297,7 +295,7 @@
               <a:pPr>
                 <a:defRPr/>
               </a:pPr>
-              <a:t>2/20/2017</a:t>
+              <a:t>3/8/2018</a:t>
             </a:fld>
             <a:endParaRPr lang="en-US"/>
           </a:p>
@@ -2831,7 +2829,7 @@
           <a:p>
             <a:r>
               <a:rPr lang="en-US" dirty="0"/>
-              <a:t>Custom Configuration Providers</a:t>
+              <a:t>Dependency Injection</a:t>
             </a:r>
           </a:p>
         </p:txBody>
@@ -2846,143 +2844,19 @@
             <p:ph type="body" idx="1"/>
           </p:nvPr>
         </p:nvSpPr>
-        <p:spPr/>
+        <p:spPr>
+          <a:xfrm>
+            <a:off x="457200" y="1447800"/>
+            <a:ext cx="8229600" cy="4495800"/>
+          </a:xfrm>
+        </p:spPr>
         <p:txBody>
           <a:bodyPr/>
           <a:lstStyle/>
           <a:p>
             <a:r>
               <a:rPr lang="en-US" dirty="0"/>
-              <a:t>Implement </a:t>
-            </a:r>
-            <a:r>
-              <a:rPr lang="en-US" dirty="0" err="1"/>
-              <a:t>IConfigurationSource</a:t>
-            </a:r>
-            <a:endParaRPr lang="en-US" dirty="0"/>
-          </a:p>
-          <a:p>
-            <a:pPr lvl="1"/>
-            <a:r>
-              <a:rPr lang="en-US" dirty="0"/>
-              <a:t>Load, Set, </a:t>
-            </a:r>
-            <a:r>
-              <a:rPr lang="en-US" dirty="0" err="1"/>
-              <a:t>TryGet</a:t>
-            </a:r>
-            <a:endParaRPr lang="en-US" dirty="0"/>
-          </a:p>
-          <a:p>
-            <a:r>
-              <a:rPr lang="en-US" dirty="0"/>
-              <a:t>Or, inherit from </a:t>
-            </a:r>
-            <a:r>
-              <a:rPr lang="en-US" dirty="0" err="1"/>
-              <a:t>ConfigurationSource</a:t>
-            </a:r>
-            <a:endParaRPr lang="en-US" dirty="0"/>
-          </a:p>
-        </p:txBody>
-      </p:sp>
-      <p:pic>
-        <p:nvPicPr>
-          <p:cNvPr id="4" name="Picture 3"/>
-          <p:cNvPicPr>
-            <a:picLocks noChangeAspect="1"/>
-          </p:cNvPicPr>
-          <p:nvPr/>
-        </p:nvPicPr>
-        <p:blipFill>
-          <a:blip r:embed="rId2"/>
-          <a:stretch>
-            <a:fillRect/>
-          </a:stretch>
-        </p:blipFill>
-        <p:spPr>
-          <a:xfrm>
-            <a:off x="1600200" y="2743200"/>
-            <a:ext cx="6067425" cy="3438525"/>
-          </a:xfrm>
-          <a:prstGeom prst="rect">
-            <a:avLst/>
-          </a:prstGeom>
-        </p:spPr>
-      </p:pic>
-    </p:spTree>
-    <p:extLst>
-      <p:ext uri="{BB962C8B-B14F-4D97-AF65-F5344CB8AC3E}">
-        <p14:creationId xmlns:p14="http://schemas.microsoft.com/office/powerpoint/2010/main" val="2830703332"/>
-      </p:ext>
-    </p:extLst>
-  </p:cSld>
-  <p:clrMapOvr>
-    <a:masterClrMapping/>
-  </p:clrMapOvr>
-  <p:transition>
-    <p:fade/>
-  </p:transition>
-</p:sld>
-</file>
-
-<file path=ppt/slides/slide11.xml><?xml version="1.0" encoding="utf-8"?>
-<p:sld xmlns:a="http://schemas.openxmlformats.org/drawingml/2006/main" xmlns:r="http://schemas.openxmlformats.org/officeDocument/2006/relationships" xmlns:p="http://schemas.openxmlformats.org/presentationml/2006/main">
-  <p:cSld>
-    <p:spTree>
-      <p:nvGrpSpPr>
-        <p:cNvPr id="1" name=""/>
-        <p:cNvGrpSpPr/>
-        <p:nvPr/>
-      </p:nvGrpSpPr>
-      <p:grpSpPr>
-        <a:xfrm>
-          <a:off x="0" y="0"/>
-          <a:ext cx="0" cy="0"/>
-          <a:chOff x="0" y="0"/>
-          <a:chExt cx="0" cy="0"/>
-        </a:xfrm>
-      </p:grpSpPr>
-      <p:sp>
-        <p:nvSpPr>
-          <p:cNvPr id="2" name="Title 1"/>
-          <p:cNvSpPr>
-            <a:spLocks noGrp="1"/>
-          </p:cNvSpPr>
-          <p:nvPr>
-            <p:ph type="title"/>
-          </p:nvPr>
-        </p:nvSpPr>
-        <p:spPr/>
-        <p:txBody>
-          <a:bodyPr/>
-          <a:lstStyle/>
-          <a:p>
-            <a:r>
-              <a:rPr lang="en-US" dirty="0"/>
-              <a:t>Dependency Injection</a:t>
-            </a:r>
-          </a:p>
-        </p:txBody>
-      </p:sp>
-      <p:sp>
-        <p:nvSpPr>
-          <p:cNvPr id="3" name="Text Placeholder 2"/>
-          <p:cNvSpPr>
-            <a:spLocks noGrp="1"/>
-          </p:cNvSpPr>
-          <p:nvPr>
-            <p:ph type="body" idx="1"/>
-          </p:nvPr>
-        </p:nvSpPr>
-        <p:spPr/>
-        <p:txBody>
-          <a:bodyPr/>
-          <a:lstStyle/>
-          <a:p>
-            <a:r>
-              <a:rPr lang="en-US" dirty="0"/>
-              <a:t>Single, simple container out of the box (BYOC)</a:t>
+              <a:t>Single, simple container out of the box</a:t>
             </a:r>
           </a:p>
           <a:p>
@@ -3033,7 +2907,7 @@
 </p:sld>
 </file>
 
-<file path=ppt/slides/slide12.xml><?xml version="1.0" encoding="utf-8"?>
+<file path=ppt/slides/slide11.xml><?xml version="1.0" encoding="utf-8"?>
 <p:sld xmlns:a="http://schemas.openxmlformats.org/drawingml/2006/main" xmlns:r="http://schemas.openxmlformats.org/officeDocument/2006/relationships" xmlns:p="http://schemas.openxmlformats.org/presentationml/2006/main">
   <p:cSld>
     <p:spTree>
@@ -3177,7 +3051,7 @@
 </p:sld>
 </file>
 
-<file path=ppt/slides/slide13.xml><?xml version="1.0" encoding="utf-8"?>
+<file path=ppt/slides/slide12.xml><?xml version="1.0" encoding="utf-8"?>
 <p:sld xmlns:a="http://schemas.openxmlformats.org/drawingml/2006/main" xmlns:r="http://schemas.openxmlformats.org/officeDocument/2006/relationships" xmlns:p="http://schemas.openxmlformats.org/presentationml/2006/main">
   <p:cSld>
     <p:spTree>
@@ -3320,10 +3194,9 @@
           <a:lstStyle/>
           <a:p>
             <a:r>
-              <a:rPr lang="en-US" dirty="0" err="1"/>
-              <a:t>global.json</a:t>
-            </a:r>
-            <a:endParaRPr lang="en-US" dirty="0"/>
+              <a:rPr lang="en-US" dirty="0"/>
+              <a:t>Dependencies</a:t>
+            </a:r>
           </a:p>
         </p:txBody>
       </p:sp>
@@ -3344,17 +3217,34 @@
           <a:p>
             <a:r>
               <a:rPr lang="en-US" dirty="0"/>
-              <a:t>Projects indicates which folders have source code</a:t>
-            </a:r>
-          </a:p>
-          <a:p>
-            <a:endParaRPr lang="en-US" dirty="0"/>
+              <a:t>Live in </a:t>
+            </a:r>
+            <a:r>
+              <a:rPr lang="en-US" dirty="0" err="1"/>
+              <a:t>csproj</a:t>
+            </a:r>
+            <a:r>
+              <a:rPr lang="en-US" dirty="0"/>
+              <a:t>	</a:t>
+            </a:r>
+          </a:p>
+          <a:p>
+            <a:r>
+              <a:rPr lang="en-US" dirty="0"/>
+              <a:t>Only top level dependencies required</a:t>
+            </a:r>
           </a:p>
         </p:txBody>
       </p:sp>
       <p:pic>
         <p:nvPicPr>
-          <p:cNvPr id="4" name="Picture 3"/>
+          <p:cNvPr id="5" name="Picture 4">
+            <a:extLst>
+              <a:ext uri="{FF2B5EF4-FFF2-40B4-BE49-F238E27FC236}">
+                <a16:creationId xmlns:a16="http://schemas.microsoft.com/office/drawing/2014/main" id="{A2BE39AF-02B5-4392-86FA-3C6EBBA4EB0E}"/>
+              </a:ext>
+            </a:extLst>
+          </p:cNvPr>
           <p:cNvPicPr>
             <a:picLocks noChangeAspect="1"/>
           </p:cNvPicPr>
@@ -3368,121 +3258,8 @@
         </p:blipFill>
         <p:spPr>
           <a:xfrm>
-            <a:off x="1295400" y="3200400"/>
-            <a:ext cx="6613890" cy="1219200"/>
-          </a:xfrm>
-          <a:prstGeom prst="rect">
-            <a:avLst/>
-          </a:prstGeom>
-        </p:spPr>
-      </p:pic>
-    </p:spTree>
-    <p:extLst>
-      <p:ext uri="{BB962C8B-B14F-4D97-AF65-F5344CB8AC3E}">
-        <p14:creationId xmlns:p14="http://schemas.microsoft.com/office/powerpoint/2010/main" val="2626361664"/>
-      </p:ext>
-    </p:extLst>
-  </p:cSld>
-  <p:clrMapOvr>
-    <a:masterClrMapping/>
-  </p:clrMapOvr>
-  <p:transition>
-    <p:fade/>
-  </p:transition>
-</p:sld>
-</file>
-
-<file path=ppt/slides/slide3.xml><?xml version="1.0" encoding="utf-8"?>
-<p:sld xmlns:a="http://schemas.openxmlformats.org/drawingml/2006/main" xmlns:r="http://schemas.openxmlformats.org/officeDocument/2006/relationships" xmlns:p="http://schemas.openxmlformats.org/presentationml/2006/main">
-  <p:cSld>
-    <p:spTree>
-      <p:nvGrpSpPr>
-        <p:cNvPr id="1" name=""/>
-        <p:cNvGrpSpPr/>
-        <p:nvPr/>
-      </p:nvGrpSpPr>
-      <p:grpSpPr>
-        <a:xfrm>
-          <a:off x="0" y="0"/>
-          <a:ext cx="0" cy="0"/>
-          <a:chOff x="0" y="0"/>
-          <a:chExt cx="0" cy="0"/>
-        </a:xfrm>
-      </p:grpSpPr>
-      <p:sp>
-        <p:nvSpPr>
-          <p:cNvPr id="2" name="Title 1"/>
-          <p:cNvSpPr>
-            <a:spLocks noGrp="1"/>
-          </p:cNvSpPr>
-          <p:nvPr>
-            <p:ph type="title"/>
-          </p:nvPr>
-        </p:nvSpPr>
-        <p:spPr/>
-        <p:txBody>
-          <a:bodyPr/>
-          <a:lstStyle/>
-          <a:p>
-            <a:r>
-              <a:rPr lang="en-US" dirty="0"/>
-              <a:t>Dependencies</a:t>
-            </a:r>
-          </a:p>
-        </p:txBody>
-      </p:sp>
-      <p:sp>
-        <p:nvSpPr>
-          <p:cNvPr id="3" name="Text Placeholder 2"/>
-          <p:cNvSpPr>
-            <a:spLocks noGrp="1"/>
-          </p:cNvSpPr>
-          <p:nvPr>
-            <p:ph type="body" idx="1"/>
-          </p:nvPr>
-        </p:nvSpPr>
-        <p:spPr/>
-        <p:txBody>
-          <a:bodyPr/>
-          <a:lstStyle/>
-          <a:p>
-            <a:r>
-              <a:rPr lang="en-US" dirty="0"/>
-              <a:t>Can allow versions to float</a:t>
-            </a:r>
-          </a:p>
-          <a:p>
-            <a:r>
-              <a:rPr lang="en-US" dirty="0"/>
-              <a:t>Only top level dependencies required</a:t>
-            </a:r>
-          </a:p>
-          <a:p>
-            <a:r>
-              <a:rPr lang="en-US" dirty="0"/>
-              <a:t>Lock file can override dependency resolution</a:t>
-            </a:r>
-          </a:p>
-        </p:txBody>
-      </p:sp>
-      <p:pic>
-        <p:nvPicPr>
-          <p:cNvPr id="4" name="Picture 3"/>
-          <p:cNvPicPr>
-            <a:picLocks noChangeAspect="1"/>
-          </p:cNvPicPr>
-          <p:nvPr/>
-        </p:nvPicPr>
-        <p:blipFill>
-          <a:blip r:embed="rId2"/>
-          <a:stretch>
-            <a:fillRect/>
-          </a:stretch>
-        </p:blipFill>
-        <p:spPr>
-          <a:xfrm>
-            <a:off x="1671637" y="3048000"/>
-            <a:ext cx="5800725" cy="2305050"/>
+            <a:off x="381000" y="3124200"/>
+            <a:ext cx="8229600" cy="2199679"/>
           </a:xfrm>
           <a:prstGeom prst="rect">
             <a:avLst/>
@@ -3505,7 +3282,7 @@
 </p:sld>
 </file>
 
-<file path=ppt/slides/slide4.xml><?xml version="1.0" encoding="utf-8"?>
+<file path=ppt/slides/slide3.xml><?xml version="1.0" encoding="utf-8"?>
 <p:sld xmlns:a="http://schemas.openxmlformats.org/drawingml/2006/main" xmlns:r="http://schemas.openxmlformats.org/officeDocument/2006/relationships" xmlns:p="http://schemas.openxmlformats.org/presentationml/2006/main">
   <p:cSld>
     <p:spTree>
@@ -3654,7 +3431,7 @@
 </p:sld>
 </file>
 
-<file path=ppt/slides/slide5.xml><?xml version="1.0" encoding="utf-8"?>
+<file path=ppt/slides/slide4.xml><?xml version="1.0" encoding="utf-8"?>
 <p:sld xmlns:a="http://schemas.openxmlformats.org/drawingml/2006/main" xmlns:r="http://schemas.openxmlformats.org/officeDocument/2006/relationships" xmlns:p="http://schemas.openxmlformats.org/presentationml/2006/main">
   <p:cSld>
     <p:spTree>
@@ -3755,7 +3532,7 @@
 </p:sld>
 </file>
 
-<file path=ppt/slides/slide6.xml><?xml version="1.0" encoding="utf-8"?>
+<file path=ppt/slides/slide5.xml><?xml version="1.0" encoding="utf-8"?>
 <p:sld xmlns:a="http://schemas.openxmlformats.org/drawingml/2006/main" xmlns:r="http://schemas.openxmlformats.org/officeDocument/2006/relationships" xmlns:p="http://schemas.openxmlformats.org/presentationml/2006/main">
   <p:cSld>
     <p:spTree>
@@ -3782,14 +3559,19 @@
             <p:ph type="title"/>
           </p:nvPr>
         </p:nvSpPr>
-        <p:spPr/>
+        <p:spPr>
+          <a:xfrm>
+            <a:off x="457200" y="381000"/>
+            <a:ext cx="8229600" cy="762000"/>
+          </a:xfrm>
+        </p:spPr>
         <p:txBody>
           <a:bodyPr/>
           <a:lstStyle/>
           <a:p>
             <a:r>
               <a:rPr lang="en-US" dirty="0"/>
-              <a:t>Configuration Sources Override</a:t>
+              <a:t>Configuration Override</a:t>
             </a:r>
           </a:p>
         </p:txBody>
@@ -3832,7 +3614,7 @@
         </p:blipFill>
         <p:spPr>
           <a:xfrm>
-            <a:off x="2005012" y="2781300"/>
+            <a:off x="2005012" y="2819400"/>
             <a:ext cx="5133975" cy="1295400"/>
           </a:xfrm>
           <a:prstGeom prst="rect">
@@ -3856,7 +3638,7 @@
 </p:sld>
 </file>
 
-<file path=ppt/slides/slide7.xml><?xml version="1.0" encoding="utf-8"?>
+<file path=ppt/slides/slide6.xml><?xml version="1.0" encoding="utf-8"?>
 <p:sld xmlns:a="http://schemas.openxmlformats.org/drawingml/2006/main" xmlns:r="http://schemas.openxmlformats.org/officeDocument/2006/relationships" xmlns:p="http://schemas.openxmlformats.org/presentationml/2006/main">
   <p:cSld>
     <p:spTree>
@@ -3957,7 +3739,7 @@
 </p:sld>
 </file>
 
-<file path=ppt/slides/slide8.xml><?xml version="1.0" encoding="utf-8"?>
+<file path=ppt/slides/slide7.xml><?xml version="1.0" encoding="utf-8"?>
 <p:sld xmlns:a="http://schemas.openxmlformats.org/drawingml/2006/main" xmlns:r="http://schemas.openxmlformats.org/officeDocument/2006/relationships" xmlns:p="http://schemas.openxmlformats.org/presentationml/2006/main">
   <p:cSld>
     <p:spTree>
@@ -4070,7 +3852,7 @@
 </p:sld>
 </file>
 
-<file path=ppt/slides/slide9.xml><?xml version="1.0" encoding="utf-8"?>
+<file path=ppt/slides/slide8.xml><?xml version="1.0" encoding="utf-8"?>
 <p:sld xmlns:a="http://schemas.openxmlformats.org/drawingml/2006/main" xmlns:r="http://schemas.openxmlformats.org/officeDocument/2006/relationships" xmlns:p="http://schemas.openxmlformats.org/presentationml/2006/main">
   <p:cSld>
     <p:spTree>
@@ -4167,6 +3949,135 @@
     <p:extLst>
       <p:ext uri="{BB962C8B-B14F-4D97-AF65-F5344CB8AC3E}">
         <p14:creationId xmlns:p14="http://schemas.microsoft.com/office/powerpoint/2010/main" val="3444823141"/>
+      </p:ext>
+    </p:extLst>
+  </p:cSld>
+  <p:clrMapOvr>
+    <a:masterClrMapping/>
+  </p:clrMapOvr>
+  <p:transition>
+    <p:fade/>
+  </p:transition>
+</p:sld>
+</file>
+
+<file path=ppt/slides/slide9.xml><?xml version="1.0" encoding="utf-8"?>
+<p:sld xmlns:a="http://schemas.openxmlformats.org/drawingml/2006/main" xmlns:r="http://schemas.openxmlformats.org/officeDocument/2006/relationships" xmlns:p="http://schemas.openxmlformats.org/presentationml/2006/main">
+  <p:cSld>
+    <p:spTree>
+      <p:nvGrpSpPr>
+        <p:cNvPr id="1" name=""/>
+        <p:cNvGrpSpPr/>
+        <p:nvPr/>
+      </p:nvGrpSpPr>
+      <p:grpSpPr>
+        <a:xfrm>
+          <a:off x="0" y="0"/>
+          <a:ext cx="0" cy="0"/>
+          <a:chOff x="0" y="0"/>
+          <a:chExt cx="0" cy="0"/>
+        </a:xfrm>
+      </p:grpSpPr>
+      <p:sp>
+        <p:nvSpPr>
+          <p:cNvPr id="2" name="Title 1"/>
+          <p:cNvSpPr>
+            <a:spLocks noGrp="1"/>
+          </p:cNvSpPr>
+          <p:nvPr>
+            <p:ph type="title"/>
+          </p:nvPr>
+        </p:nvSpPr>
+        <p:spPr/>
+        <p:txBody>
+          <a:bodyPr/>
+          <a:lstStyle/>
+          <a:p>
+            <a:r>
+              <a:rPr lang="en-US" dirty="0"/>
+              <a:t>Custom Configuration Providers</a:t>
+            </a:r>
+          </a:p>
+        </p:txBody>
+      </p:sp>
+      <p:sp>
+        <p:nvSpPr>
+          <p:cNvPr id="3" name="Text Placeholder 2"/>
+          <p:cNvSpPr>
+            <a:spLocks noGrp="1"/>
+          </p:cNvSpPr>
+          <p:nvPr>
+            <p:ph type="body" idx="1"/>
+          </p:nvPr>
+        </p:nvSpPr>
+        <p:spPr/>
+        <p:txBody>
+          <a:bodyPr/>
+          <a:lstStyle/>
+          <a:p>
+            <a:r>
+              <a:rPr lang="en-US" dirty="0"/>
+              <a:t>Implement </a:t>
+            </a:r>
+            <a:r>
+              <a:rPr lang="en-US" dirty="0" err="1"/>
+              <a:t>IConfigurationSource</a:t>
+            </a:r>
+            <a:endParaRPr lang="en-US" dirty="0"/>
+          </a:p>
+          <a:p>
+            <a:pPr lvl="1"/>
+            <a:r>
+              <a:rPr lang="en-US" dirty="0"/>
+              <a:t>Load, Set, </a:t>
+            </a:r>
+            <a:r>
+              <a:rPr lang="en-US" dirty="0" err="1"/>
+              <a:t>TryGet</a:t>
+            </a:r>
+            <a:endParaRPr lang="en-US" dirty="0"/>
+          </a:p>
+          <a:p>
+            <a:r>
+              <a:rPr lang="en-US" dirty="0"/>
+              <a:t>Or, inherit from </a:t>
+            </a:r>
+            <a:r>
+              <a:rPr lang="en-US" dirty="0" err="1"/>
+              <a:t>ConfigurationSource</a:t>
+            </a:r>
+            <a:endParaRPr lang="en-US" dirty="0"/>
+          </a:p>
+        </p:txBody>
+      </p:sp>
+      <p:pic>
+        <p:nvPicPr>
+          <p:cNvPr id="4" name="Picture 3"/>
+          <p:cNvPicPr>
+            <a:picLocks noChangeAspect="1"/>
+          </p:cNvPicPr>
+          <p:nvPr/>
+        </p:nvPicPr>
+        <p:blipFill>
+          <a:blip r:embed="rId2"/>
+          <a:stretch>
+            <a:fillRect/>
+          </a:stretch>
+        </p:blipFill>
+        <p:spPr>
+          <a:xfrm>
+            <a:off x="1600200" y="2743200"/>
+            <a:ext cx="6067425" cy="3438525"/>
+          </a:xfrm>
+          <a:prstGeom prst="rect">
+            <a:avLst/>
+          </a:prstGeom>
+        </p:spPr>
+      </p:pic>
+    </p:spTree>
+    <p:extLst>
+      <p:ext uri="{BB962C8B-B14F-4D97-AF65-F5344CB8AC3E}">
+        <p14:creationId xmlns:p14="http://schemas.microsoft.com/office/powerpoint/2010/main" val="2830703332"/>
       </p:ext>
     </p:extLst>
   </p:cSld>
